--- a/D2.pptx
+++ b/D2.pptx
@@ -109,7 +109,7 @@
   </p:defaultTextStyle>
   <p:extLst>
     <p:ext uri="{EFAFB233-063F-42B5-8137-9DF3F51BA10A}">
-      <p15:sldGuideLst xmlns:p15="http://schemas.microsoft.com/office/powerpoint/2012/main" xmlns="">
+      <p15:sldGuideLst xmlns="" xmlns:p15="http://schemas.microsoft.com/office/powerpoint/2012/main">
         <p15:guide id="1" orient="horz" pos="3367">
           <p15:clr>
             <a:srgbClr val="A4A3A4"/>
@@ -377,7 +377,7 @@
     </p:spTree>
     <p:extLst>
       <p:ext uri="{BB962C8B-B14F-4D97-AF65-F5344CB8AC3E}">
-        <p14:creationId xmlns:p14="http://schemas.microsoft.com/office/powerpoint/2010/main" xmlns="" val="1740745922"/>
+        <p14:creationId xmlns="" xmlns:p14="http://schemas.microsoft.com/office/powerpoint/2010/main" val="1740745922"/>
       </p:ext>
     </p:extLst>
   </p:cSld>
@@ -552,7 +552,7 @@
     </p:spTree>
     <p:extLst>
       <p:ext uri="{BB962C8B-B14F-4D97-AF65-F5344CB8AC3E}">
-        <p14:creationId xmlns:p14="http://schemas.microsoft.com/office/powerpoint/2010/main" xmlns="" val="1546987973"/>
+        <p14:creationId xmlns="" xmlns:p14="http://schemas.microsoft.com/office/powerpoint/2010/main" val="1546987973"/>
       </p:ext>
     </p:extLst>
   </p:cSld>
@@ -742,7 +742,7 @@
             <a:fld id="{8CF0904D-930F-FD46-A326-BF7152BF9E0A}" type="datetimeFigureOut">
               <a:rPr lang="fr-FR" smtClean="0"/>
               <a:pPr/>
-              <a:t>18/05/2018</a:t>
+              <a:t>01/06/2018</a:t>
             </a:fld>
             <a:endParaRPr lang="fr-FR"/>
           </a:p>
@@ -794,7 +794,7 @@
     </p:spTree>
     <p:extLst>
       <p:ext uri="{BB962C8B-B14F-4D97-AF65-F5344CB8AC3E}">
-        <p14:creationId xmlns:p14="http://schemas.microsoft.com/office/powerpoint/2010/main" xmlns="" val="3068178951"/>
+        <p14:creationId xmlns="" xmlns:p14="http://schemas.microsoft.com/office/powerpoint/2010/main" val="3068178951"/>
       </p:ext>
     </p:extLst>
   </p:cSld>
@@ -912,7 +912,7 @@
             <a:fld id="{8CF0904D-930F-FD46-A326-BF7152BF9E0A}" type="datetimeFigureOut">
               <a:rPr lang="fr-FR" smtClean="0"/>
               <a:pPr/>
-              <a:t>18/05/2018</a:t>
+              <a:t>01/06/2018</a:t>
             </a:fld>
             <a:endParaRPr lang="fr-FR"/>
           </a:p>
@@ -964,7 +964,7 @@
     </p:spTree>
     <p:extLst>
       <p:ext uri="{BB962C8B-B14F-4D97-AF65-F5344CB8AC3E}">
-        <p14:creationId xmlns:p14="http://schemas.microsoft.com/office/powerpoint/2010/main" xmlns="" val="1391079224"/>
+        <p14:creationId xmlns="" xmlns:p14="http://schemas.microsoft.com/office/powerpoint/2010/main" val="1391079224"/>
       </p:ext>
     </p:extLst>
   </p:cSld>
@@ -1092,7 +1092,7 @@
             <a:fld id="{8CF0904D-930F-FD46-A326-BF7152BF9E0A}" type="datetimeFigureOut">
               <a:rPr lang="fr-FR" smtClean="0"/>
               <a:pPr/>
-              <a:t>18/05/2018</a:t>
+              <a:t>01/06/2018</a:t>
             </a:fld>
             <a:endParaRPr lang="fr-FR"/>
           </a:p>
@@ -1144,7 +1144,7 @@
     </p:spTree>
     <p:extLst>
       <p:ext uri="{BB962C8B-B14F-4D97-AF65-F5344CB8AC3E}">
-        <p14:creationId xmlns:p14="http://schemas.microsoft.com/office/powerpoint/2010/main" xmlns="" val="1804268557"/>
+        <p14:creationId xmlns="" xmlns:p14="http://schemas.microsoft.com/office/powerpoint/2010/main" val="1804268557"/>
       </p:ext>
     </p:extLst>
   </p:cSld>
@@ -1262,7 +1262,7 @@
             <a:fld id="{8CF0904D-930F-FD46-A326-BF7152BF9E0A}" type="datetimeFigureOut">
               <a:rPr lang="fr-FR" smtClean="0"/>
               <a:pPr/>
-              <a:t>18/05/2018</a:t>
+              <a:t>01/06/2018</a:t>
             </a:fld>
             <a:endParaRPr lang="fr-FR"/>
           </a:p>
@@ -1314,7 +1314,7 @@
     </p:spTree>
     <p:extLst>
       <p:ext uri="{BB962C8B-B14F-4D97-AF65-F5344CB8AC3E}">
-        <p14:creationId xmlns:p14="http://schemas.microsoft.com/office/powerpoint/2010/main" xmlns="" val="385820403"/>
+        <p14:creationId xmlns="" xmlns:p14="http://schemas.microsoft.com/office/powerpoint/2010/main" val="385820403"/>
       </p:ext>
     </p:extLst>
   </p:cSld>
@@ -1509,7 +1509,7 @@
             <a:fld id="{8CF0904D-930F-FD46-A326-BF7152BF9E0A}" type="datetimeFigureOut">
               <a:rPr lang="fr-FR" smtClean="0"/>
               <a:pPr/>
-              <a:t>18/05/2018</a:t>
+              <a:t>01/06/2018</a:t>
             </a:fld>
             <a:endParaRPr lang="fr-FR"/>
           </a:p>
@@ -1561,7 +1561,7 @@
     </p:spTree>
     <p:extLst>
       <p:ext uri="{BB962C8B-B14F-4D97-AF65-F5344CB8AC3E}">
-        <p14:creationId xmlns:p14="http://schemas.microsoft.com/office/powerpoint/2010/main" xmlns="" val="3916584431"/>
+        <p14:creationId xmlns="" xmlns:p14="http://schemas.microsoft.com/office/powerpoint/2010/main" val="3916584431"/>
       </p:ext>
     </p:extLst>
   </p:cSld>
@@ -1796,7 +1796,7 @@
             <a:fld id="{8CF0904D-930F-FD46-A326-BF7152BF9E0A}" type="datetimeFigureOut">
               <a:rPr lang="fr-FR" smtClean="0"/>
               <a:pPr/>
-              <a:t>18/05/2018</a:t>
+              <a:t>01/06/2018</a:t>
             </a:fld>
             <a:endParaRPr lang="fr-FR"/>
           </a:p>
@@ -1848,7 +1848,7 @@
     </p:spTree>
     <p:extLst>
       <p:ext uri="{BB962C8B-B14F-4D97-AF65-F5344CB8AC3E}">
-        <p14:creationId xmlns:p14="http://schemas.microsoft.com/office/powerpoint/2010/main" xmlns="" val="4182134361"/>
+        <p14:creationId xmlns="" xmlns:p14="http://schemas.microsoft.com/office/powerpoint/2010/main" val="4182134361"/>
       </p:ext>
     </p:extLst>
   </p:cSld>
@@ -2222,7 +2222,7 @@
             <a:fld id="{8CF0904D-930F-FD46-A326-BF7152BF9E0A}" type="datetimeFigureOut">
               <a:rPr lang="fr-FR" smtClean="0"/>
               <a:pPr/>
-              <a:t>18/05/2018</a:t>
+              <a:t>01/06/2018</a:t>
             </a:fld>
             <a:endParaRPr lang="fr-FR"/>
           </a:p>
@@ -2274,7 +2274,7 @@
     </p:spTree>
     <p:extLst>
       <p:ext uri="{BB962C8B-B14F-4D97-AF65-F5344CB8AC3E}">
-        <p14:creationId xmlns:p14="http://schemas.microsoft.com/office/powerpoint/2010/main" xmlns="" val="4214897568"/>
+        <p14:creationId xmlns="" xmlns:p14="http://schemas.microsoft.com/office/powerpoint/2010/main" val="4214897568"/>
       </p:ext>
     </p:extLst>
   </p:cSld>
@@ -2341,7 +2341,7 @@
             <a:fld id="{8CF0904D-930F-FD46-A326-BF7152BF9E0A}" type="datetimeFigureOut">
               <a:rPr lang="fr-FR" smtClean="0"/>
               <a:pPr/>
-              <a:t>18/05/2018</a:t>
+              <a:t>01/06/2018</a:t>
             </a:fld>
             <a:endParaRPr lang="fr-FR"/>
           </a:p>
@@ -2393,7 +2393,7 @@
     </p:spTree>
     <p:extLst>
       <p:ext uri="{BB962C8B-B14F-4D97-AF65-F5344CB8AC3E}">
-        <p14:creationId xmlns:p14="http://schemas.microsoft.com/office/powerpoint/2010/main" xmlns="" val="3274726509"/>
+        <p14:creationId xmlns="" xmlns:p14="http://schemas.microsoft.com/office/powerpoint/2010/main" val="3274726509"/>
       </p:ext>
     </p:extLst>
   </p:cSld>
@@ -2438,7 +2438,7 @@
             <a:fld id="{8CF0904D-930F-FD46-A326-BF7152BF9E0A}" type="datetimeFigureOut">
               <a:rPr lang="fr-FR" smtClean="0"/>
               <a:pPr/>
-              <a:t>18/05/2018</a:t>
+              <a:t>01/06/2018</a:t>
             </a:fld>
             <a:endParaRPr lang="fr-FR"/>
           </a:p>
@@ -2490,7 +2490,7 @@
     </p:spTree>
     <p:extLst>
       <p:ext uri="{BB962C8B-B14F-4D97-AF65-F5344CB8AC3E}">
-        <p14:creationId xmlns:p14="http://schemas.microsoft.com/office/powerpoint/2010/main" xmlns="" val="3278184219"/>
+        <p14:creationId xmlns="" xmlns:p14="http://schemas.microsoft.com/office/powerpoint/2010/main" val="3278184219"/>
       </p:ext>
     </p:extLst>
   </p:cSld>
@@ -2715,7 +2715,7 @@
             <a:fld id="{8CF0904D-930F-FD46-A326-BF7152BF9E0A}" type="datetimeFigureOut">
               <a:rPr lang="fr-FR" smtClean="0"/>
               <a:pPr/>
-              <a:t>18/05/2018</a:t>
+              <a:t>01/06/2018</a:t>
             </a:fld>
             <a:endParaRPr lang="fr-FR"/>
           </a:p>
@@ -2767,7 +2767,7 @@
     </p:spTree>
     <p:extLst>
       <p:ext uri="{BB962C8B-B14F-4D97-AF65-F5344CB8AC3E}">
-        <p14:creationId xmlns:p14="http://schemas.microsoft.com/office/powerpoint/2010/main" xmlns="" val="3712155595"/>
+        <p14:creationId xmlns="" xmlns:p14="http://schemas.microsoft.com/office/powerpoint/2010/main" val="3712155595"/>
       </p:ext>
     </p:extLst>
   </p:cSld>
@@ -2969,7 +2969,7 @@
             <a:fld id="{8CF0904D-930F-FD46-A326-BF7152BF9E0A}" type="datetimeFigureOut">
               <a:rPr lang="fr-FR" smtClean="0"/>
               <a:pPr/>
-              <a:t>18/05/2018</a:t>
+              <a:t>01/06/2018</a:t>
             </a:fld>
             <a:endParaRPr lang="fr-FR"/>
           </a:p>
@@ -3021,7 +3021,7 @@
     </p:spTree>
     <p:extLst>
       <p:ext uri="{BB962C8B-B14F-4D97-AF65-F5344CB8AC3E}">
-        <p14:creationId xmlns:p14="http://schemas.microsoft.com/office/powerpoint/2010/main" xmlns="" val="358615447"/>
+        <p14:creationId xmlns="" xmlns:p14="http://schemas.microsoft.com/office/powerpoint/2010/main" val="358615447"/>
       </p:ext>
     </p:extLst>
   </p:cSld>
@@ -3182,7 +3182,7 @@
             <a:fld id="{8CF0904D-930F-FD46-A326-BF7152BF9E0A}" type="datetimeFigureOut">
               <a:rPr lang="fr-FR" smtClean="0"/>
               <a:pPr/>
-              <a:t>18/05/2018</a:t>
+              <a:t>01/06/2018</a:t>
             </a:fld>
             <a:endParaRPr lang="fr-FR"/>
           </a:p>
@@ -3270,7 +3270,7 @@
     </p:spTree>
     <p:extLst>
       <p:ext uri="{BB962C8B-B14F-4D97-AF65-F5344CB8AC3E}">
-        <p14:creationId xmlns:p14="http://schemas.microsoft.com/office/powerpoint/2010/main" xmlns="" val="3576098910"/>
+        <p14:creationId xmlns="" xmlns:p14="http://schemas.microsoft.com/office/powerpoint/2010/main" val="3576098910"/>
       </p:ext>
     </p:extLst>
   </p:cSld>
@@ -3847,7 +3847,7 @@
           <p:nvPr>
             <p:extLst>
               <p:ext uri="{D42A27DB-BD31-4B8C-83A1-F6EECF244321}">
-                <p14:modId xmlns:p14="http://schemas.microsoft.com/office/powerpoint/2010/main" xmlns="" val="1232012540"/>
+                <p14:modId xmlns="" xmlns:p14="http://schemas.microsoft.com/office/powerpoint/2010/main" val="1232012540"/>
               </p:ext>
             </p:extLst>
           </p:nvPr>
@@ -3866,7 +3866,7 @@
                 <a:gridCol w="2329082">
                   <a:extLst>
                     <a:ext uri="{9D8B030D-6E8A-4147-A177-3AD203B41FA5}">
-                      <a16:colId xmlns:a16="http://schemas.microsoft.com/office/drawing/2014/main" xmlns="" val="20000"/>
+                      <a16:colId xmlns="" xmlns:a16="http://schemas.microsoft.com/office/drawing/2014/main" val="20000"/>
                     </a:ext>
                   </a:extLst>
                 </a:gridCol>
@@ -3910,7 +3910,7 @@
                 </a:tc>
                 <a:extLst>
                   <a:ext uri="{0D108BD9-81ED-4DB2-BD59-A6C34878D82A}">
-                    <a16:rowId xmlns:a16="http://schemas.microsoft.com/office/drawing/2014/main" xmlns="" val="10000"/>
+                    <a16:rowId xmlns="" xmlns:a16="http://schemas.microsoft.com/office/drawing/2014/main" val="10000"/>
                   </a:ext>
                 </a:extLst>
               </a:tr>
@@ -3953,7 +3953,7 @@
                 </a:tc>
                 <a:extLst>
                   <a:ext uri="{0D108BD9-81ED-4DB2-BD59-A6C34878D82A}">
-                    <a16:rowId xmlns:a16="http://schemas.microsoft.com/office/drawing/2014/main" xmlns="" val="10001"/>
+                    <a16:rowId xmlns="" xmlns:a16="http://schemas.microsoft.com/office/drawing/2014/main" val="10001"/>
                   </a:ext>
                 </a:extLst>
               </a:tr>
@@ -3996,7 +3996,7 @@
                 </a:tc>
                 <a:extLst>
                   <a:ext uri="{0D108BD9-81ED-4DB2-BD59-A6C34878D82A}">
-                    <a16:rowId xmlns:a16="http://schemas.microsoft.com/office/drawing/2014/main" xmlns="" val="10002"/>
+                    <a16:rowId xmlns="" xmlns:a16="http://schemas.microsoft.com/office/drawing/2014/main" val="10002"/>
                   </a:ext>
                 </a:extLst>
               </a:tr>
@@ -4039,7 +4039,7 @@
                 </a:tc>
                 <a:extLst>
                   <a:ext uri="{0D108BD9-81ED-4DB2-BD59-A6C34878D82A}">
-                    <a16:rowId xmlns:a16="http://schemas.microsoft.com/office/drawing/2014/main" xmlns="" val="10003"/>
+                    <a16:rowId xmlns="" xmlns:a16="http://schemas.microsoft.com/office/drawing/2014/main" val="10003"/>
                   </a:ext>
                 </a:extLst>
               </a:tr>
@@ -4082,7 +4082,7 @@
                 </a:tc>
                 <a:extLst>
                   <a:ext uri="{0D108BD9-81ED-4DB2-BD59-A6C34878D82A}">
-                    <a16:rowId xmlns:a16="http://schemas.microsoft.com/office/drawing/2014/main" xmlns="" val="10004"/>
+                    <a16:rowId xmlns="" xmlns:a16="http://schemas.microsoft.com/office/drawing/2014/main" val="10004"/>
                   </a:ext>
                 </a:extLst>
               </a:tr>
@@ -4125,7 +4125,7 @@
                 </a:tc>
                 <a:extLst>
                   <a:ext uri="{0D108BD9-81ED-4DB2-BD59-A6C34878D82A}">
-                    <a16:rowId xmlns:a16="http://schemas.microsoft.com/office/drawing/2014/main" xmlns="" val="10005"/>
+                    <a16:rowId xmlns="" xmlns:a16="http://schemas.microsoft.com/office/drawing/2014/main" val="10005"/>
                   </a:ext>
                 </a:extLst>
               </a:tr>
@@ -4168,7 +4168,7 @@
                 </a:tc>
                 <a:extLst>
                   <a:ext uri="{0D108BD9-81ED-4DB2-BD59-A6C34878D82A}">
-                    <a16:rowId xmlns:a16="http://schemas.microsoft.com/office/drawing/2014/main" xmlns="" val="10006"/>
+                    <a16:rowId xmlns="" xmlns:a16="http://schemas.microsoft.com/office/drawing/2014/main" val="10006"/>
                   </a:ext>
                 </a:extLst>
               </a:tr>
@@ -4846,7 +4846,7 @@
           <p:nvPr>
             <p:extLst>
               <p:ext uri="{D42A27DB-BD31-4B8C-83A1-F6EECF244321}">
-                <p14:modId xmlns:p14="http://schemas.microsoft.com/office/powerpoint/2010/main" xmlns="" val="826767824"/>
+                <p14:modId xmlns="" xmlns:p14="http://schemas.microsoft.com/office/powerpoint/2010/main" val="826767824"/>
               </p:ext>
             </p:extLst>
           </p:nvPr>
@@ -4865,7 +4865,7 @@
                 <a:gridCol w="2329082">
                   <a:extLst>
                     <a:ext uri="{9D8B030D-6E8A-4147-A177-3AD203B41FA5}">
-                      <a16:colId xmlns:a16="http://schemas.microsoft.com/office/drawing/2014/main" xmlns="" val="20000"/>
+                      <a16:colId xmlns="" xmlns:a16="http://schemas.microsoft.com/office/drawing/2014/main" val="20000"/>
                     </a:ext>
                   </a:extLst>
                 </a:gridCol>
@@ -4901,7 +4901,7 @@
                 </a:tc>
                 <a:extLst>
                   <a:ext uri="{0D108BD9-81ED-4DB2-BD59-A6C34878D82A}">
-                    <a16:rowId xmlns:a16="http://schemas.microsoft.com/office/drawing/2014/main" xmlns="" val="10000"/>
+                    <a16:rowId xmlns="" xmlns:a16="http://schemas.microsoft.com/office/drawing/2014/main" val="10000"/>
                   </a:ext>
                 </a:extLst>
               </a:tr>
@@ -4936,7 +4936,7 @@
                 </a:tc>
                 <a:extLst>
                   <a:ext uri="{0D108BD9-81ED-4DB2-BD59-A6C34878D82A}">
-                    <a16:rowId xmlns:a16="http://schemas.microsoft.com/office/drawing/2014/main" xmlns="" val="10001"/>
+                    <a16:rowId xmlns="" xmlns:a16="http://schemas.microsoft.com/office/drawing/2014/main" val="10001"/>
                   </a:ext>
                 </a:extLst>
               </a:tr>
@@ -4971,7 +4971,7 @@
                 </a:tc>
                 <a:extLst>
                   <a:ext uri="{0D108BD9-81ED-4DB2-BD59-A6C34878D82A}">
-                    <a16:rowId xmlns:a16="http://schemas.microsoft.com/office/drawing/2014/main" xmlns="" val="10002"/>
+                    <a16:rowId xmlns="" xmlns:a16="http://schemas.microsoft.com/office/drawing/2014/main" val="10002"/>
                   </a:ext>
                 </a:extLst>
               </a:tr>
@@ -5514,7 +5514,7 @@
           <p:nvPr>
             <p:extLst>
               <p:ext uri="{D42A27DB-BD31-4B8C-83A1-F6EECF244321}">
-                <p14:modId xmlns:p14="http://schemas.microsoft.com/office/powerpoint/2010/main" xmlns="" val="1533819091"/>
+                <p14:modId xmlns="" xmlns:p14="http://schemas.microsoft.com/office/powerpoint/2010/main" val="1533819091"/>
               </p:ext>
             </p:extLst>
           </p:nvPr>
@@ -5533,14 +5533,14 @@
                 <a:gridCol w="878946">
                   <a:extLst>
                     <a:ext uri="{9D8B030D-6E8A-4147-A177-3AD203B41FA5}">
-                      <a16:colId xmlns:a16="http://schemas.microsoft.com/office/drawing/2014/main" xmlns="" val="20000"/>
+                      <a16:colId xmlns="" xmlns:a16="http://schemas.microsoft.com/office/drawing/2014/main" val="20000"/>
                     </a:ext>
                   </a:extLst>
                 </a:gridCol>
                 <a:gridCol w="3964434">
                   <a:extLst>
                     <a:ext uri="{9D8B030D-6E8A-4147-A177-3AD203B41FA5}">
-                      <a16:colId xmlns:a16="http://schemas.microsoft.com/office/drawing/2014/main" xmlns="" val="20001"/>
+                      <a16:colId xmlns="" xmlns:a16="http://schemas.microsoft.com/office/drawing/2014/main" val="20001"/>
                     </a:ext>
                   </a:extLst>
                 </a:gridCol>
@@ -5577,29 +5577,7 @@
                           <a:ea typeface="Times New Roman" charset="0"/>
                           <a:cs typeface="Times New Roman" charset="0"/>
                         </a:rPr>
-                        <a:t>2016 </a:t>
-                      </a:r>
-                      <a:r>
-                        <a:rPr lang="fr-FR" sz="1100" b="1" i="0" dirty="0" smtClean="0">
-                          <a:solidFill>
-                            <a:srgbClr val="58585A"/>
-                          </a:solidFill>
-                          <a:latin typeface="+mn-lt"/>
-                          <a:ea typeface="Times New Roman" charset="0"/>
-                          <a:cs typeface="Times New Roman" charset="0"/>
-                        </a:rPr>
-                        <a:t>- </a:t>
-                      </a:r>
-                      <a:r>
-                        <a:rPr lang="fr-FR" sz="1100" b="1" i="0" dirty="0" smtClean="0">
-                          <a:solidFill>
-                            <a:srgbClr val="58585A"/>
-                          </a:solidFill>
-                          <a:latin typeface="+mn-lt"/>
-                          <a:ea typeface="Times New Roman" charset="0"/>
-                          <a:cs typeface="Times New Roman" charset="0"/>
-                        </a:rPr>
-                        <a:t>2017</a:t>
+                        <a:t>2016 - 2017</a:t>
                       </a:r>
                       <a:endParaRPr lang="fr-FR" sz="1100" b="1" i="0" dirty="0">
                         <a:solidFill>
@@ -5806,7 +5784,7 @@
                 </a:tc>
                 <a:extLst>
                   <a:ext uri="{0D108BD9-81ED-4DB2-BD59-A6C34878D82A}">
-                    <a16:rowId xmlns:a16="http://schemas.microsoft.com/office/drawing/2014/main" xmlns="" val="10000"/>
+                    <a16:rowId xmlns="" xmlns:a16="http://schemas.microsoft.com/office/drawing/2014/main" val="10000"/>
                   </a:ext>
                 </a:extLst>
               </a:tr>
@@ -5823,14 +5801,14 @@
           <p:nvPr>
             <p:extLst>
               <p:ext uri="{D42A27DB-BD31-4B8C-83A1-F6EECF244321}">
-                <p14:modId xmlns:p14="http://schemas.microsoft.com/office/powerpoint/2010/main" xmlns="" val="1450300068"/>
+                <p14:modId xmlns="" xmlns:p14="http://schemas.microsoft.com/office/powerpoint/2010/main" val="1450300068"/>
               </p:ext>
             </p:extLst>
           </p:nvPr>
         </p:nvGraphicFramePr>
         <p:xfrm>
           <a:off x="727077" y="5354405"/>
-          <a:ext cx="4611846" cy="1544044"/>
+          <a:ext cx="4611846" cy="1384024"/>
         </p:xfrm>
         <a:graphic>
           <a:graphicData uri="http://schemas.openxmlformats.org/drawingml/2006/table">
@@ -5842,14 +5820,14 @@
                 <a:gridCol w="836929">
                   <a:extLst>
                     <a:ext uri="{9D8B030D-6E8A-4147-A177-3AD203B41FA5}">
-                      <a16:colId xmlns:a16="http://schemas.microsoft.com/office/drawing/2014/main" xmlns="" val="20000"/>
+                      <a16:colId xmlns="" xmlns:a16="http://schemas.microsoft.com/office/drawing/2014/main" val="20000"/>
                     </a:ext>
                   </a:extLst>
                 </a:gridCol>
                 <a:gridCol w="3774917">
                   <a:extLst>
                     <a:ext uri="{9D8B030D-6E8A-4147-A177-3AD203B41FA5}">
-                      <a16:colId xmlns:a16="http://schemas.microsoft.com/office/drawing/2014/main" xmlns="" val="20001"/>
+                      <a16:colId xmlns="" xmlns:a16="http://schemas.microsoft.com/office/drawing/2014/main" val="20001"/>
                     </a:ext>
                   </a:extLst>
                 </a:gridCol>
@@ -6087,10 +6065,10 @@
                           <a:ea typeface="Times New Roman" charset="0"/>
                           <a:cs typeface="Times New Roman" charset="0"/>
                         </a:rPr>
-                        <a:t> d’une solution E-</a:t>
-                      </a:r>
-                      <a:r>
-                        <a:rPr kumimoji="0" lang="fr-FR" sz="1050" b="0" i="0" u="none" strike="noStrike" kern="1200" cap="none" spc="0" normalizeH="0" baseline="0" noProof="0" dirty="0" err="1" smtClean="0">
+                        <a:t> </a:t>
+                      </a:r>
+                      <a:r>
+                        <a:rPr kumimoji="0" lang="fr-FR" sz="1050" b="0" i="0" u="none" strike="noStrike" kern="1200" cap="none" spc="0" normalizeH="0" baseline="0" noProof="0" smtClean="0">
                           <a:ln>
                             <a:noFill/>
                           </a:ln>
@@ -6104,7 +6082,24 @@
                           <a:ea typeface="Times New Roman" charset="0"/>
                           <a:cs typeface="Times New Roman" charset="0"/>
                         </a:rPr>
-                        <a:t>Banking</a:t>
+                        <a:t>d’une </a:t>
+                      </a:r>
+                      <a:r>
+                        <a:rPr kumimoji="0" lang="fr-FR" sz="1050" b="0" i="0" u="none" strike="noStrike" kern="1200" cap="none" spc="0" normalizeH="0" baseline="0" noProof="0" smtClean="0">
+                          <a:ln>
+                            <a:noFill/>
+                          </a:ln>
+                          <a:solidFill>
+                            <a:srgbClr val="7F7F7F"/>
+                          </a:solidFill>
+                          <a:effectLst/>
+                          <a:uLnTx/>
+                          <a:uFillTx/>
+                          <a:latin typeface="+mn-lt"/>
+                          <a:ea typeface="Times New Roman" charset="0"/>
+                          <a:cs typeface="Times New Roman" charset="0"/>
+                        </a:rPr>
+                        <a:t>projet E-Banking </a:t>
                       </a:r>
                       <a:r>
                         <a:rPr kumimoji="0" lang="fr-FR" sz="1050" b="0" i="0" u="none" strike="noStrike" kern="1200" cap="none" spc="0" normalizeH="0" baseline="0" noProof="0" dirty="0" smtClean="0">
@@ -6121,7 +6116,7 @@
                           <a:ea typeface="Times New Roman" charset="0"/>
                           <a:cs typeface="Times New Roman" charset="0"/>
                         </a:rPr>
-                        <a:t> en JEE chez l’entreprise BFI.</a:t>
+                        <a:t>en JEE chez l’entreprise BFI.</a:t>
                       </a:r>
                       <a:endParaRPr kumimoji="0" lang="fr-FR" sz="1050" b="0" i="0" u="none" strike="noStrike" kern="1200" cap="none" spc="0" normalizeH="0" baseline="0" noProof="0" dirty="0">
                         <a:ln>
@@ -6172,7 +6167,7 @@
                 </a:tc>
                 <a:extLst>
                   <a:ext uri="{0D108BD9-81ED-4DB2-BD59-A6C34878D82A}">
-                    <a16:rowId xmlns:a16="http://schemas.microsoft.com/office/drawing/2014/main" xmlns="" val="10000"/>
+                    <a16:rowId xmlns="" xmlns:a16="http://schemas.microsoft.com/office/drawing/2014/main" val="10000"/>
                   </a:ext>
                 </a:extLst>
               </a:tr>
@@ -6959,7 +6954,7 @@
                 </a:tc>
                 <a:extLst>
                   <a:ext uri="{0D108BD9-81ED-4DB2-BD59-A6C34878D82A}">
-                    <a16:rowId xmlns:a16="http://schemas.microsoft.com/office/drawing/2014/main" xmlns="" val="10002"/>
+                    <a16:rowId xmlns="" xmlns:a16="http://schemas.microsoft.com/office/drawing/2014/main" val="10002"/>
                   </a:ext>
                 </a:extLst>
               </a:tr>
@@ -7088,7 +7083,7 @@
           <a:blip r:embed="rId3">
             <a:extLst>
               <a:ext uri="{28A0092B-C50C-407E-A947-70E740481C1C}">
-                <a14:useLocalDpi xmlns:a14="http://schemas.microsoft.com/office/drawing/2010/main" xmlns="" val="0"/>
+                <a14:useLocalDpi xmlns="" xmlns:a14="http://schemas.microsoft.com/office/drawing/2010/main" val="0"/>
               </a:ext>
             </a:extLst>
           </a:blip>
@@ -7118,7 +7113,7 @@
           <a:blip r:embed="rId4">
             <a:extLst>
               <a:ext uri="{28A0092B-C50C-407E-A947-70E740481C1C}">
-                <a14:useLocalDpi xmlns:a14="http://schemas.microsoft.com/office/drawing/2010/main" xmlns="" val="0"/>
+                <a14:useLocalDpi xmlns="" xmlns:a14="http://schemas.microsoft.com/office/drawing/2010/main" val="0"/>
               </a:ext>
             </a:extLst>
           </a:blip>
@@ -7148,7 +7143,7 @@
           <a:blip r:embed="rId5">
             <a:extLst>
               <a:ext uri="{28A0092B-C50C-407E-A947-70E740481C1C}">
-                <a14:useLocalDpi xmlns:a14="http://schemas.microsoft.com/office/drawing/2010/main" xmlns="" val="0"/>
+                <a14:useLocalDpi xmlns="" xmlns:a14="http://schemas.microsoft.com/office/drawing/2010/main" val="0"/>
               </a:ext>
             </a:extLst>
           </a:blip>
@@ -7219,7 +7214,7 @@
           <a:blip r:embed="rId6">
             <a:extLst>
               <a:ext uri="{28A0092B-C50C-407E-A947-70E740481C1C}">
-                <a14:useLocalDpi xmlns:a14="http://schemas.microsoft.com/office/drawing/2010/main" xmlns="" val="0"/>
+                <a14:useLocalDpi xmlns="" xmlns:a14="http://schemas.microsoft.com/office/drawing/2010/main" val="0"/>
               </a:ext>
             </a:extLst>
           </a:blip>
@@ -7335,7 +7330,7 @@
           <a:blip r:embed="rId7">
             <a:extLst>
               <a:ext uri="{28A0092B-C50C-407E-A947-70E740481C1C}">
-                <a14:useLocalDpi xmlns:a14="http://schemas.microsoft.com/office/drawing/2010/main" xmlns="" val="0"/>
+                <a14:useLocalDpi xmlns="" xmlns:a14="http://schemas.microsoft.com/office/drawing/2010/main" val="0"/>
               </a:ext>
             </a:extLst>
           </a:blip>
@@ -7424,7 +7419,7 @@
           <p:cNvPr id="5" name="Rectangle 4">
             <a:extLst>
               <a:ext uri="{FF2B5EF4-FFF2-40B4-BE49-F238E27FC236}">
-                <a16:creationId xmlns:a16="http://schemas.microsoft.com/office/drawing/2014/main" xmlns="" id="{3A5EDDC1-3050-4B01-B9FC-65721C42BB3F}"/>
+                <a16:creationId xmlns="" xmlns:a16="http://schemas.microsoft.com/office/drawing/2014/main" id="{3A5EDDC1-3050-4B01-B9FC-65721C42BB3F}"/>
               </a:ext>
             </a:extLst>
           </p:cNvPr>
@@ -7472,7 +7467,7 @@
           <p:cNvPr id="62" name="Rectangle 61">
             <a:extLst>
               <a:ext uri="{FF2B5EF4-FFF2-40B4-BE49-F238E27FC236}">
-                <a16:creationId xmlns:a16="http://schemas.microsoft.com/office/drawing/2014/main" xmlns="" id="{6C7A6A29-B07D-4A00-AA83-DAD3CA742616}"/>
+                <a16:creationId xmlns="" xmlns:a16="http://schemas.microsoft.com/office/drawing/2014/main" id="{6C7A6A29-B07D-4A00-AA83-DAD3CA742616}"/>
               </a:ext>
             </a:extLst>
           </p:cNvPr>
@@ -7522,7 +7517,7 @@
           <p:cNvPr id="9" name="Tableau 8">
             <a:extLst>
               <a:ext uri="{FF2B5EF4-FFF2-40B4-BE49-F238E27FC236}">
-                <a16:creationId xmlns:a16="http://schemas.microsoft.com/office/drawing/2014/main" xmlns="" id="{CD96F54E-CE6D-417C-A258-FE0099959B88}"/>
+                <a16:creationId xmlns="" xmlns:a16="http://schemas.microsoft.com/office/drawing/2014/main" id="{CD96F54E-CE6D-417C-A258-FE0099959B88}"/>
               </a:ext>
             </a:extLst>
           </p:cNvPr>
@@ -7532,7 +7527,7 @@
           <p:nvPr>
             <p:extLst>
               <p:ext uri="{D42A27DB-BD31-4B8C-83A1-F6EECF244321}">
-                <p14:modId xmlns:p14="http://schemas.microsoft.com/office/powerpoint/2010/main" xmlns="" val="908264848"/>
+                <p14:modId xmlns="" xmlns:p14="http://schemas.microsoft.com/office/powerpoint/2010/main" val="908264848"/>
               </p:ext>
             </p:extLst>
           </p:nvPr>
@@ -7551,14 +7546,14 @@
                 <a:gridCol w="868013">
                   <a:extLst>
                     <a:ext uri="{9D8B030D-6E8A-4147-A177-3AD203B41FA5}">
-                      <a16:colId xmlns:a16="http://schemas.microsoft.com/office/drawing/2014/main" xmlns="" val="2039745578"/>
+                      <a16:colId xmlns="" xmlns:a16="http://schemas.microsoft.com/office/drawing/2014/main" val="2039745578"/>
                     </a:ext>
                   </a:extLst>
                 </a:gridCol>
                 <a:gridCol w="3915126">
                   <a:extLst>
                     <a:ext uri="{9D8B030D-6E8A-4147-A177-3AD203B41FA5}">
-                      <a16:colId xmlns:a16="http://schemas.microsoft.com/office/drawing/2014/main" xmlns="" val="2494848202"/>
+                      <a16:colId xmlns="" xmlns:a16="http://schemas.microsoft.com/office/drawing/2014/main" val="2494848202"/>
                     </a:ext>
                   </a:extLst>
                 </a:gridCol>
@@ -7827,7 +7822,7 @@
                 </a:tc>
                 <a:extLst>
                   <a:ext uri="{0D108BD9-81ED-4DB2-BD59-A6C34878D82A}">
-                    <a16:rowId xmlns:a16="http://schemas.microsoft.com/office/drawing/2014/main" xmlns="" val="1174954696"/>
+                    <a16:rowId xmlns="" xmlns:a16="http://schemas.microsoft.com/office/drawing/2014/main" val="1174954696"/>
                   </a:ext>
                 </a:extLst>
               </a:tr>
@@ -7840,7 +7835,7 @@
           <p:cNvPr id="12" name="Tableau 11">
             <a:extLst>
               <a:ext uri="{FF2B5EF4-FFF2-40B4-BE49-F238E27FC236}">
-                <a16:creationId xmlns:a16="http://schemas.microsoft.com/office/drawing/2014/main" xmlns="" id="{30F423AD-F90D-4D1C-AD2D-92714695FA06}"/>
+                <a16:creationId xmlns="" xmlns:a16="http://schemas.microsoft.com/office/drawing/2014/main" id="{30F423AD-F90D-4D1C-AD2D-92714695FA06}"/>
               </a:ext>
             </a:extLst>
           </p:cNvPr>
@@ -7850,7 +7845,7 @@
           <p:nvPr>
             <p:extLst>
               <p:ext uri="{D42A27DB-BD31-4B8C-83A1-F6EECF244321}">
-                <p14:modId xmlns:p14="http://schemas.microsoft.com/office/powerpoint/2010/main" xmlns="" val="2477501902"/>
+                <p14:modId xmlns="" xmlns:p14="http://schemas.microsoft.com/office/powerpoint/2010/main" val="2477501902"/>
               </p:ext>
             </p:extLst>
           </p:nvPr>
@@ -7869,14 +7864,14 @@
                 <a:gridCol w="888337">
                   <a:extLst>
                     <a:ext uri="{9D8B030D-6E8A-4147-A177-3AD203B41FA5}">
-                      <a16:colId xmlns:a16="http://schemas.microsoft.com/office/drawing/2014/main" xmlns="" val="4124972041"/>
+                      <a16:colId xmlns="" xmlns:a16="http://schemas.microsoft.com/office/drawing/2014/main" val="4124972041"/>
                     </a:ext>
                   </a:extLst>
                 </a:gridCol>
                 <a:gridCol w="4006790">
                   <a:extLst>
                     <a:ext uri="{9D8B030D-6E8A-4147-A177-3AD203B41FA5}">
-                      <a16:colId xmlns:a16="http://schemas.microsoft.com/office/drawing/2014/main" xmlns="" val="2856721980"/>
+                      <a16:colId xmlns="" xmlns:a16="http://schemas.microsoft.com/office/drawing/2014/main" val="2856721980"/>
                     </a:ext>
                   </a:extLst>
                 </a:gridCol>
@@ -7913,29 +7908,7 @@
                           <a:ea typeface="Times New Roman" charset="0"/>
                           <a:cs typeface="Times New Roman" charset="0"/>
                         </a:rPr>
-                        <a:t>2015 </a:t>
-                      </a:r>
-                      <a:r>
-                        <a:rPr lang="fr-FR" sz="1100" b="1" i="0" dirty="0" smtClean="0">
-                          <a:solidFill>
-                            <a:srgbClr val="58585A"/>
-                          </a:solidFill>
-                          <a:latin typeface="+mn-lt"/>
-                          <a:ea typeface="Times New Roman" charset="0"/>
-                          <a:cs typeface="Times New Roman" charset="0"/>
-                        </a:rPr>
-                        <a:t>- </a:t>
-                      </a:r>
-                      <a:r>
-                        <a:rPr lang="fr-FR" sz="1100" b="1" i="0" dirty="0" smtClean="0">
-                          <a:solidFill>
-                            <a:srgbClr val="58585A"/>
-                          </a:solidFill>
-                          <a:latin typeface="+mn-lt"/>
-                          <a:ea typeface="Times New Roman" charset="0"/>
-                          <a:cs typeface="Times New Roman" charset="0"/>
-                        </a:rPr>
-                        <a:t>2016</a:t>
+                        <a:t>2015 - 2016</a:t>
                       </a:r>
                       <a:endParaRPr lang="fr-FR" sz="1100" b="1" i="0" dirty="0">
                         <a:solidFill>
@@ -8118,7 +8091,7 @@
                 </a:tc>
                 <a:extLst>
                   <a:ext uri="{0D108BD9-81ED-4DB2-BD59-A6C34878D82A}">
-                    <a16:rowId xmlns:a16="http://schemas.microsoft.com/office/drawing/2014/main" xmlns="" val="2264636388"/>
+                    <a16:rowId xmlns="" xmlns:a16="http://schemas.microsoft.com/office/drawing/2014/main" val="2264636388"/>
                   </a:ext>
                 </a:extLst>
               </a:tr>
@@ -8131,7 +8104,7 @@
           <p:cNvPr id="15" name="Tableau 14">
             <a:extLst>
               <a:ext uri="{FF2B5EF4-FFF2-40B4-BE49-F238E27FC236}">
-                <a16:creationId xmlns:a16="http://schemas.microsoft.com/office/drawing/2014/main" xmlns="" id="{2B7CCBB4-DABB-461E-A25C-210EDEE62AEE}"/>
+                <a16:creationId xmlns="" xmlns:a16="http://schemas.microsoft.com/office/drawing/2014/main" id="{2B7CCBB4-DABB-461E-A25C-210EDEE62AEE}"/>
               </a:ext>
             </a:extLst>
           </p:cNvPr>
@@ -8141,7 +8114,7 @@
           <p:nvPr>
             <p:extLst>
               <p:ext uri="{D42A27DB-BD31-4B8C-83A1-F6EECF244321}">
-                <p14:modId xmlns:p14="http://schemas.microsoft.com/office/powerpoint/2010/main" xmlns="" val="3360460294"/>
+                <p14:modId xmlns="" xmlns:p14="http://schemas.microsoft.com/office/powerpoint/2010/main" val="3360460294"/>
               </p:ext>
             </p:extLst>
           </p:nvPr>
@@ -8160,14 +8133,14 @@
                 <a:gridCol w="826264">
                   <a:extLst>
                     <a:ext uri="{9D8B030D-6E8A-4147-A177-3AD203B41FA5}">
-                      <a16:colId xmlns:a16="http://schemas.microsoft.com/office/drawing/2014/main" xmlns="" val="3736579992"/>
+                      <a16:colId xmlns="" xmlns:a16="http://schemas.microsoft.com/office/drawing/2014/main" val="3736579992"/>
                     </a:ext>
                   </a:extLst>
                 </a:gridCol>
                 <a:gridCol w="3726812">
                   <a:extLst>
                     <a:ext uri="{9D8B030D-6E8A-4147-A177-3AD203B41FA5}">
-                      <a16:colId xmlns:a16="http://schemas.microsoft.com/office/drawing/2014/main" xmlns="" val="1257239418"/>
+                      <a16:colId xmlns="" xmlns:a16="http://schemas.microsoft.com/office/drawing/2014/main" val="1257239418"/>
                     </a:ext>
                   </a:extLst>
                 </a:gridCol>
@@ -9227,7 +9200,7 @@
                 </a:tc>
                 <a:extLst>
                   <a:ext uri="{0D108BD9-81ED-4DB2-BD59-A6C34878D82A}">
-                    <a16:rowId xmlns:a16="http://schemas.microsoft.com/office/drawing/2014/main" xmlns="" val="1817200699"/>
+                    <a16:rowId xmlns="" xmlns:a16="http://schemas.microsoft.com/office/drawing/2014/main" val="1817200699"/>
                   </a:ext>
                 </a:extLst>
               </a:tr>
@@ -9240,7 +9213,7 @@
           <p:cNvPr id="96" name="Rectangle 95">
             <a:extLst>
               <a:ext uri="{FF2B5EF4-FFF2-40B4-BE49-F238E27FC236}">
-                <a16:creationId xmlns:a16="http://schemas.microsoft.com/office/drawing/2014/main" xmlns="" id="{E1221206-CCC6-4383-8486-A58FF4222269}"/>
+                <a16:creationId xmlns="" xmlns:a16="http://schemas.microsoft.com/office/drawing/2014/main" id="{E1221206-CCC6-4383-8486-A58FF4222269}"/>
               </a:ext>
             </a:extLst>
           </p:cNvPr>
@@ -9290,7 +9263,7 @@
           <p:cNvPr id="17" name="Image 16">
             <a:extLst>
               <a:ext uri="{FF2B5EF4-FFF2-40B4-BE49-F238E27FC236}">
-                <a16:creationId xmlns:a16="http://schemas.microsoft.com/office/drawing/2014/main" xmlns="" id="{88BD7FBD-3CE2-429B-A575-AEDBFB3EBC42}"/>
+                <a16:creationId xmlns="" xmlns:a16="http://schemas.microsoft.com/office/drawing/2014/main" id="{88BD7FBD-3CE2-429B-A575-AEDBFB3EBC42}"/>
               </a:ext>
             </a:extLst>
           </p:cNvPr>
@@ -9325,7 +9298,7 @@
           <p:cNvPr id="21" name="Rectangle 20">
             <a:extLst>
               <a:ext uri="{FF2B5EF4-FFF2-40B4-BE49-F238E27FC236}">
-                <a16:creationId xmlns:a16="http://schemas.microsoft.com/office/drawing/2014/main" xmlns="" id="{CD797071-9628-4551-828D-B09781ED20F3}"/>
+                <a16:creationId xmlns="" xmlns:a16="http://schemas.microsoft.com/office/drawing/2014/main" id="{CD797071-9628-4551-828D-B09781ED20F3}"/>
               </a:ext>
             </a:extLst>
           </p:cNvPr>
@@ -9373,7 +9346,7 @@
           <p:cNvPr id="106" name="Rectangle 105">
             <a:extLst>
               <a:ext uri="{FF2B5EF4-FFF2-40B4-BE49-F238E27FC236}">
-                <a16:creationId xmlns:a16="http://schemas.microsoft.com/office/drawing/2014/main" xmlns="" id="{A7789D56-7B1C-4D89-9AE8-59A206FB9A5B}"/>
+                <a16:creationId xmlns="" xmlns:a16="http://schemas.microsoft.com/office/drawing/2014/main" id="{A7789D56-7B1C-4D89-9AE8-59A206FB9A5B}"/>
               </a:ext>
             </a:extLst>
           </p:cNvPr>
@@ -9423,7 +9396,7 @@
           <p:cNvPr id="107" name="Rectangle 106">
             <a:extLst>
               <a:ext uri="{FF2B5EF4-FFF2-40B4-BE49-F238E27FC236}">
-                <a16:creationId xmlns:a16="http://schemas.microsoft.com/office/drawing/2014/main" xmlns="" id="{670C5BA8-32A0-4148-8DD2-AD4973D66A93}"/>
+                <a16:creationId xmlns="" xmlns:a16="http://schemas.microsoft.com/office/drawing/2014/main" id="{670C5BA8-32A0-4148-8DD2-AD4973D66A93}"/>
               </a:ext>
             </a:extLst>
           </p:cNvPr>
@@ -9473,7 +9446,7 @@
           <p:cNvPr id="109" name="Tableau 108">
             <a:extLst>
               <a:ext uri="{FF2B5EF4-FFF2-40B4-BE49-F238E27FC236}">
-                <a16:creationId xmlns:a16="http://schemas.microsoft.com/office/drawing/2014/main" xmlns="" id="{57126903-8A09-284B-9042-9DDCB0B3DDDE}"/>
+                <a16:creationId xmlns="" xmlns:a16="http://schemas.microsoft.com/office/drawing/2014/main" id="{57126903-8A09-284B-9042-9DDCB0B3DDDE}"/>
               </a:ext>
             </a:extLst>
           </p:cNvPr>
@@ -9483,7 +9456,7 @@
           <p:nvPr>
             <p:extLst>
               <p:ext uri="{D42A27DB-BD31-4B8C-83A1-F6EECF244321}">
-                <p14:modId xmlns:p14="http://schemas.microsoft.com/office/powerpoint/2010/main" xmlns="" val="4011690364"/>
+                <p14:modId xmlns="" xmlns:p14="http://schemas.microsoft.com/office/powerpoint/2010/main" val="4011690364"/>
               </p:ext>
             </p:extLst>
           </p:nvPr>
@@ -9502,14 +9475,14 @@
                 <a:gridCol w="825708">
                   <a:extLst>
                     <a:ext uri="{9D8B030D-6E8A-4147-A177-3AD203B41FA5}">
-                      <a16:colId xmlns:a16="http://schemas.microsoft.com/office/drawing/2014/main" xmlns="" val="2039745578"/>
+                      <a16:colId xmlns="" xmlns:a16="http://schemas.microsoft.com/office/drawing/2014/main" val="2039745578"/>
                     </a:ext>
                   </a:extLst>
                 </a:gridCol>
                 <a:gridCol w="3724307">
                   <a:extLst>
                     <a:ext uri="{9D8B030D-6E8A-4147-A177-3AD203B41FA5}">
-                      <a16:colId xmlns:a16="http://schemas.microsoft.com/office/drawing/2014/main" xmlns="" val="2494848202"/>
+                      <a16:colId xmlns="" xmlns:a16="http://schemas.microsoft.com/office/drawing/2014/main" val="2494848202"/>
                     </a:ext>
                   </a:extLst>
                 </a:gridCol>
@@ -9630,20 +9603,6 @@
                         </a:rPr>
                         <a:t>Baccalauréat Mathématique</a:t>
                       </a:r>
-                      <a:endParaRPr kumimoji="0" lang="fr-FR" sz="1200" b="1" i="0" u="none" strike="noStrike" kern="1200" cap="none" spc="0" normalizeH="0" baseline="0" noProof="0" dirty="0" smtClean="0">
-                        <a:ln>
-                          <a:noFill/>
-                        </a:ln>
-                        <a:solidFill>
-                          <a:prstClr val="black"/>
-                        </a:solidFill>
-                        <a:effectLst/>
-                        <a:uLnTx/>
-                        <a:uFillTx/>
-                        <a:latin typeface="+mn-lt"/>
-                        <a:ea typeface="Times New Roman" charset="0"/>
-                        <a:cs typeface="Times New Roman" charset="0"/>
-                      </a:endParaRPr>
                     </a:p>
                     <a:p>
                       <a:pPr marL="0" indent="0" algn="just">
@@ -9781,7 +9740,7 @@
                 </a:tc>
                 <a:extLst>
                   <a:ext uri="{0D108BD9-81ED-4DB2-BD59-A6C34878D82A}">
-                    <a16:rowId xmlns:a16="http://schemas.microsoft.com/office/drawing/2014/main" xmlns="" val="1174954696"/>
+                    <a16:rowId xmlns="" xmlns:a16="http://schemas.microsoft.com/office/drawing/2014/main" val="1174954696"/>
                   </a:ext>
                 </a:extLst>
               </a:tr>
@@ -9876,7 +9835,7 @@
           <p:cNvPr id="116" name="Tableau 115">
             <a:extLst>
               <a:ext uri="{FF2B5EF4-FFF2-40B4-BE49-F238E27FC236}">
-                <a16:creationId xmlns:a16="http://schemas.microsoft.com/office/drawing/2014/main" xmlns="" id="{86782D8C-A66D-F045-80E3-C0E199EB0E4F}"/>
+                <a16:creationId xmlns="" xmlns:a16="http://schemas.microsoft.com/office/drawing/2014/main" id="{86782D8C-A66D-F045-80E3-C0E199EB0E4F}"/>
               </a:ext>
             </a:extLst>
           </p:cNvPr>
@@ -9886,7 +9845,7 @@
           <p:nvPr>
             <p:extLst>
               <p:ext uri="{D42A27DB-BD31-4B8C-83A1-F6EECF244321}">
-                <p14:modId xmlns:p14="http://schemas.microsoft.com/office/powerpoint/2010/main" xmlns="" val="183136107"/>
+                <p14:modId xmlns="" xmlns:p14="http://schemas.microsoft.com/office/powerpoint/2010/main" val="183136107"/>
               </p:ext>
             </p:extLst>
           </p:nvPr>
@@ -9905,14 +9864,14 @@
                 <a:gridCol w="829788">
                   <a:extLst>
                     <a:ext uri="{9D8B030D-6E8A-4147-A177-3AD203B41FA5}">
-                      <a16:colId xmlns:a16="http://schemas.microsoft.com/office/drawing/2014/main" xmlns="" val="2039745578"/>
+                      <a16:colId xmlns="" xmlns:a16="http://schemas.microsoft.com/office/drawing/2014/main" val="2039745578"/>
                     </a:ext>
                   </a:extLst>
                 </a:gridCol>
                 <a:gridCol w="3742712">
                   <a:extLst>
                     <a:ext uri="{9D8B030D-6E8A-4147-A177-3AD203B41FA5}">
-                      <a16:colId xmlns:a16="http://schemas.microsoft.com/office/drawing/2014/main" xmlns="" val="2494848202"/>
+                      <a16:colId xmlns="" xmlns:a16="http://schemas.microsoft.com/office/drawing/2014/main" val="2494848202"/>
                     </a:ext>
                   </a:extLst>
                 </a:gridCol>
@@ -10098,7 +10057,7 @@
                 </a:tc>
                 <a:extLst>
                   <a:ext uri="{0D108BD9-81ED-4DB2-BD59-A6C34878D82A}">
-                    <a16:rowId xmlns:a16="http://schemas.microsoft.com/office/drawing/2014/main" xmlns="" val="1174954696"/>
+                    <a16:rowId xmlns="" xmlns:a16="http://schemas.microsoft.com/office/drawing/2014/main" val="1174954696"/>
                   </a:ext>
                 </a:extLst>
               </a:tr>
@@ -10164,7 +10123,7 @@
           <p:cNvPr id="94" name="Rectangle 93">
             <a:extLst>
               <a:ext uri="{FF2B5EF4-FFF2-40B4-BE49-F238E27FC236}">
-                <a16:creationId xmlns:a16="http://schemas.microsoft.com/office/drawing/2014/main" xmlns="" id="{80FB2A79-73A6-4C77-875E-410462395522}"/>
+                <a16:creationId xmlns="" xmlns:a16="http://schemas.microsoft.com/office/drawing/2014/main" id="{80FB2A79-73A6-4C77-875E-410462395522}"/>
               </a:ext>
             </a:extLst>
           </p:cNvPr>
@@ -10271,7 +10230,7 @@
           <p:cNvPr id="105" name="Rectangle 104">
             <a:extLst>
               <a:ext uri="{FF2B5EF4-FFF2-40B4-BE49-F238E27FC236}">
-                <a16:creationId xmlns:a16="http://schemas.microsoft.com/office/drawing/2014/main" xmlns="" id="{2492A3CA-FD09-4C8C-9B12-10FB11A428E7}"/>
+                <a16:creationId xmlns="" xmlns:a16="http://schemas.microsoft.com/office/drawing/2014/main" id="{2492A3CA-FD09-4C8C-9B12-10FB11A428E7}"/>
               </a:ext>
             </a:extLst>
           </p:cNvPr>
@@ -10411,23 +10370,7 @@
                   <a:schemeClr val="bg1"/>
                 </a:solidFill>
               </a:rPr>
-              <a:t>immeuble </a:t>
-            </a:r>
-            <a:r>
-              <a:rPr lang="fr-FR" sz="1100" dirty="0" smtClean="0">
-                <a:solidFill>
-                  <a:schemeClr val="bg1"/>
-                </a:solidFill>
-              </a:rPr>
-              <a:t>Firdous </a:t>
-            </a:r>
-            <a:r>
-              <a:rPr lang="fr-FR" sz="1100" dirty="0" smtClean="0">
-                <a:solidFill>
-                  <a:schemeClr val="bg1"/>
-                </a:solidFill>
-              </a:rPr>
-              <a:t>c8 cité </a:t>
+              <a:t>immeuble Firdous c8 cité </a:t>
             </a:r>
             <a:r>
               <a:rPr lang="fr-FR" sz="1100" dirty="0" err="1" smtClean="0">
@@ -10501,20 +10444,13 @@
               </a:rPr>
               <a:t>Génie Logiciel</a:t>
             </a:r>
-            <a:endParaRPr lang="fr-FR" sz="1600" dirty="0" smtClean="0">
-              <a:solidFill>
-                <a:schemeClr val="bg1"/>
-              </a:solidFill>
-              <a:ea typeface="Times New Roman" charset="0"/>
-              <a:cs typeface="Times New Roman" charset="0"/>
-            </a:endParaRPr>
           </a:p>
         </p:txBody>
       </p:sp>
     </p:spTree>
     <p:extLst>
       <p:ext uri="{BB962C8B-B14F-4D97-AF65-F5344CB8AC3E}">
-        <p14:creationId xmlns:p14="http://schemas.microsoft.com/office/powerpoint/2010/main" xmlns="" val="756935666"/>
+        <p14:creationId xmlns="" xmlns:p14="http://schemas.microsoft.com/office/powerpoint/2010/main" val="756935666"/>
       </p:ext>
     </p:extLst>
   </p:cSld>
@@ -11099,7 +11035,7 @@
   <a:extraClrSchemeLst/>
   <a:extLst>
     <a:ext uri="{05A4C25C-085E-4340-85A3-A5531E510DB2}">
-      <thm15:themeFamily xmlns:thm15="http://schemas.microsoft.com/office/thememl/2012/main" xmlns="" name="Office Theme" id="{62F939B6-93AF-4DB8-9C6B-D6C7DFDC589F}" vid="{4A3C46E8-61CC-4603-A589-7422A47A8E4A}"/>
+      <thm15:themeFamily xmlns="" xmlns:thm15="http://schemas.microsoft.com/office/thememl/2012/main" name="Office Theme" id="{62F939B6-93AF-4DB8-9C6B-D6C7DFDC589F}" vid="{4A3C46E8-61CC-4603-A589-7422A47A8E4A}"/>
     </a:ext>
   </a:extLst>
 </a:theme>

--- a/D2.pptx
+++ b/D2.pptx
@@ -109,7 +109,7 @@
   </p:defaultTextStyle>
   <p:extLst>
     <p:ext uri="{EFAFB233-063F-42B5-8137-9DF3F51BA10A}">
-      <p15:sldGuideLst xmlns="" xmlns:p15="http://schemas.microsoft.com/office/powerpoint/2012/main">
+      <p15:sldGuideLst xmlns:p15="http://schemas.microsoft.com/office/powerpoint/2012/main" xmlns="">
         <p15:guide id="1" orient="horz" pos="3367">
           <p15:clr>
             <a:srgbClr val="A4A3A4"/>
@@ -377,7 +377,7 @@
     </p:spTree>
     <p:extLst>
       <p:ext uri="{BB962C8B-B14F-4D97-AF65-F5344CB8AC3E}">
-        <p14:creationId xmlns="" xmlns:p14="http://schemas.microsoft.com/office/powerpoint/2010/main" val="1740745922"/>
+        <p14:creationId xmlns:p14="http://schemas.microsoft.com/office/powerpoint/2010/main" xmlns="" val="1740745922"/>
       </p:ext>
     </p:extLst>
   </p:cSld>
@@ -552,7 +552,7 @@
     </p:spTree>
     <p:extLst>
       <p:ext uri="{BB962C8B-B14F-4D97-AF65-F5344CB8AC3E}">
-        <p14:creationId xmlns="" xmlns:p14="http://schemas.microsoft.com/office/powerpoint/2010/main" val="1546987973"/>
+        <p14:creationId xmlns:p14="http://schemas.microsoft.com/office/powerpoint/2010/main" xmlns="" val="1546987973"/>
       </p:ext>
     </p:extLst>
   </p:cSld>
@@ -742,7 +742,7 @@
             <a:fld id="{8CF0904D-930F-FD46-A326-BF7152BF9E0A}" type="datetimeFigureOut">
               <a:rPr lang="fr-FR" smtClean="0"/>
               <a:pPr/>
-              <a:t>01/06/2018</a:t>
+              <a:t>04/06/2018</a:t>
             </a:fld>
             <a:endParaRPr lang="fr-FR"/>
           </a:p>
@@ -794,7 +794,7 @@
     </p:spTree>
     <p:extLst>
       <p:ext uri="{BB962C8B-B14F-4D97-AF65-F5344CB8AC3E}">
-        <p14:creationId xmlns="" xmlns:p14="http://schemas.microsoft.com/office/powerpoint/2010/main" val="3068178951"/>
+        <p14:creationId xmlns:p14="http://schemas.microsoft.com/office/powerpoint/2010/main" xmlns="" val="3068178951"/>
       </p:ext>
     </p:extLst>
   </p:cSld>
@@ -912,7 +912,7 @@
             <a:fld id="{8CF0904D-930F-FD46-A326-BF7152BF9E0A}" type="datetimeFigureOut">
               <a:rPr lang="fr-FR" smtClean="0"/>
               <a:pPr/>
-              <a:t>01/06/2018</a:t>
+              <a:t>04/06/2018</a:t>
             </a:fld>
             <a:endParaRPr lang="fr-FR"/>
           </a:p>
@@ -964,7 +964,7 @@
     </p:spTree>
     <p:extLst>
       <p:ext uri="{BB962C8B-B14F-4D97-AF65-F5344CB8AC3E}">
-        <p14:creationId xmlns="" xmlns:p14="http://schemas.microsoft.com/office/powerpoint/2010/main" val="1391079224"/>
+        <p14:creationId xmlns:p14="http://schemas.microsoft.com/office/powerpoint/2010/main" xmlns="" val="1391079224"/>
       </p:ext>
     </p:extLst>
   </p:cSld>
@@ -1092,7 +1092,7 @@
             <a:fld id="{8CF0904D-930F-FD46-A326-BF7152BF9E0A}" type="datetimeFigureOut">
               <a:rPr lang="fr-FR" smtClean="0"/>
               <a:pPr/>
-              <a:t>01/06/2018</a:t>
+              <a:t>04/06/2018</a:t>
             </a:fld>
             <a:endParaRPr lang="fr-FR"/>
           </a:p>
@@ -1144,7 +1144,7 @@
     </p:spTree>
     <p:extLst>
       <p:ext uri="{BB962C8B-B14F-4D97-AF65-F5344CB8AC3E}">
-        <p14:creationId xmlns="" xmlns:p14="http://schemas.microsoft.com/office/powerpoint/2010/main" val="1804268557"/>
+        <p14:creationId xmlns:p14="http://schemas.microsoft.com/office/powerpoint/2010/main" xmlns="" val="1804268557"/>
       </p:ext>
     </p:extLst>
   </p:cSld>
@@ -1262,7 +1262,7 @@
             <a:fld id="{8CF0904D-930F-FD46-A326-BF7152BF9E0A}" type="datetimeFigureOut">
               <a:rPr lang="fr-FR" smtClean="0"/>
               <a:pPr/>
-              <a:t>01/06/2018</a:t>
+              <a:t>04/06/2018</a:t>
             </a:fld>
             <a:endParaRPr lang="fr-FR"/>
           </a:p>
@@ -1314,7 +1314,7 @@
     </p:spTree>
     <p:extLst>
       <p:ext uri="{BB962C8B-B14F-4D97-AF65-F5344CB8AC3E}">
-        <p14:creationId xmlns="" xmlns:p14="http://schemas.microsoft.com/office/powerpoint/2010/main" val="385820403"/>
+        <p14:creationId xmlns:p14="http://schemas.microsoft.com/office/powerpoint/2010/main" xmlns="" val="385820403"/>
       </p:ext>
     </p:extLst>
   </p:cSld>
@@ -1509,7 +1509,7 @@
             <a:fld id="{8CF0904D-930F-FD46-A326-BF7152BF9E0A}" type="datetimeFigureOut">
               <a:rPr lang="fr-FR" smtClean="0"/>
               <a:pPr/>
-              <a:t>01/06/2018</a:t>
+              <a:t>04/06/2018</a:t>
             </a:fld>
             <a:endParaRPr lang="fr-FR"/>
           </a:p>
@@ -1561,7 +1561,7 @@
     </p:spTree>
     <p:extLst>
       <p:ext uri="{BB962C8B-B14F-4D97-AF65-F5344CB8AC3E}">
-        <p14:creationId xmlns="" xmlns:p14="http://schemas.microsoft.com/office/powerpoint/2010/main" val="3916584431"/>
+        <p14:creationId xmlns:p14="http://schemas.microsoft.com/office/powerpoint/2010/main" xmlns="" val="3916584431"/>
       </p:ext>
     </p:extLst>
   </p:cSld>
@@ -1796,7 +1796,7 @@
             <a:fld id="{8CF0904D-930F-FD46-A326-BF7152BF9E0A}" type="datetimeFigureOut">
               <a:rPr lang="fr-FR" smtClean="0"/>
               <a:pPr/>
-              <a:t>01/06/2018</a:t>
+              <a:t>04/06/2018</a:t>
             </a:fld>
             <a:endParaRPr lang="fr-FR"/>
           </a:p>
@@ -1848,7 +1848,7 @@
     </p:spTree>
     <p:extLst>
       <p:ext uri="{BB962C8B-B14F-4D97-AF65-F5344CB8AC3E}">
-        <p14:creationId xmlns="" xmlns:p14="http://schemas.microsoft.com/office/powerpoint/2010/main" val="4182134361"/>
+        <p14:creationId xmlns:p14="http://schemas.microsoft.com/office/powerpoint/2010/main" xmlns="" val="4182134361"/>
       </p:ext>
     </p:extLst>
   </p:cSld>
@@ -2222,7 +2222,7 @@
             <a:fld id="{8CF0904D-930F-FD46-A326-BF7152BF9E0A}" type="datetimeFigureOut">
               <a:rPr lang="fr-FR" smtClean="0"/>
               <a:pPr/>
-              <a:t>01/06/2018</a:t>
+              <a:t>04/06/2018</a:t>
             </a:fld>
             <a:endParaRPr lang="fr-FR"/>
           </a:p>
@@ -2274,7 +2274,7 @@
     </p:spTree>
     <p:extLst>
       <p:ext uri="{BB962C8B-B14F-4D97-AF65-F5344CB8AC3E}">
-        <p14:creationId xmlns="" xmlns:p14="http://schemas.microsoft.com/office/powerpoint/2010/main" val="4214897568"/>
+        <p14:creationId xmlns:p14="http://schemas.microsoft.com/office/powerpoint/2010/main" xmlns="" val="4214897568"/>
       </p:ext>
     </p:extLst>
   </p:cSld>
@@ -2341,7 +2341,7 @@
             <a:fld id="{8CF0904D-930F-FD46-A326-BF7152BF9E0A}" type="datetimeFigureOut">
               <a:rPr lang="fr-FR" smtClean="0"/>
               <a:pPr/>
-              <a:t>01/06/2018</a:t>
+              <a:t>04/06/2018</a:t>
             </a:fld>
             <a:endParaRPr lang="fr-FR"/>
           </a:p>
@@ -2393,7 +2393,7 @@
     </p:spTree>
     <p:extLst>
       <p:ext uri="{BB962C8B-B14F-4D97-AF65-F5344CB8AC3E}">
-        <p14:creationId xmlns="" xmlns:p14="http://schemas.microsoft.com/office/powerpoint/2010/main" val="3274726509"/>
+        <p14:creationId xmlns:p14="http://schemas.microsoft.com/office/powerpoint/2010/main" xmlns="" val="3274726509"/>
       </p:ext>
     </p:extLst>
   </p:cSld>
@@ -2438,7 +2438,7 @@
             <a:fld id="{8CF0904D-930F-FD46-A326-BF7152BF9E0A}" type="datetimeFigureOut">
               <a:rPr lang="fr-FR" smtClean="0"/>
               <a:pPr/>
-              <a:t>01/06/2018</a:t>
+              <a:t>04/06/2018</a:t>
             </a:fld>
             <a:endParaRPr lang="fr-FR"/>
           </a:p>
@@ -2490,7 +2490,7 @@
     </p:spTree>
     <p:extLst>
       <p:ext uri="{BB962C8B-B14F-4D97-AF65-F5344CB8AC3E}">
-        <p14:creationId xmlns="" xmlns:p14="http://schemas.microsoft.com/office/powerpoint/2010/main" val="3278184219"/>
+        <p14:creationId xmlns:p14="http://schemas.microsoft.com/office/powerpoint/2010/main" xmlns="" val="3278184219"/>
       </p:ext>
     </p:extLst>
   </p:cSld>
@@ -2715,7 +2715,7 @@
             <a:fld id="{8CF0904D-930F-FD46-A326-BF7152BF9E0A}" type="datetimeFigureOut">
               <a:rPr lang="fr-FR" smtClean="0"/>
               <a:pPr/>
-              <a:t>01/06/2018</a:t>
+              <a:t>04/06/2018</a:t>
             </a:fld>
             <a:endParaRPr lang="fr-FR"/>
           </a:p>
@@ -2767,7 +2767,7 @@
     </p:spTree>
     <p:extLst>
       <p:ext uri="{BB962C8B-B14F-4D97-AF65-F5344CB8AC3E}">
-        <p14:creationId xmlns="" xmlns:p14="http://schemas.microsoft.com/office/powerpoint/2010/main" val="3712155595"/>
+        <p14:creationId xmlns:p14="http://schemas.microsoft.com/office/powerpoint/2010/main" xmlns="" val="3712155595"/>
       </p:ext>
     </p:extLst>
   </p:cSld>
@@ -2969,7 +2969,7 @@
             <a:fld id="{8CF0904D-930F-FD46-A326-BF7152BF9E0A}" type="datetimeFigureOut">
               <a:rPr lang="fr-FR" smtClean="0"/>
               <a:pPr/>
-              <a:t>01/06/2018</a:t>
+              <a:t>04/06/2018</a:t>
             </a:fld>
             <a:endParaRPr lang="fr-FR"/>
           </a:p>
@@ -3021,7 +3021,7 @@
     </p:spTree>
     <p:extLst>
       <p:ext uri="{BB962C8B-B14F-4D97-AF65-F5344CB8AC3E}">
-        <p14:creationId xmlns="" xmlns:p14="http://schemas.microsoft.com/office/powerpoint/2010/main" val="358615447"/>
+        <p14:creationId xmlns:p14="http://schemas.microsoft.com/office/powerpoint/2010/main" xmlns="" val="358615447"/>
       </p:ext>
     </p:extLst>
   </p:cSld>
@@ -3182,7 +3182,7 @@
             <a:fld id="{8CF0904D-930F-FD46-A326-BF7152BF9E0A}" type="datetimeFigureOut">
               <a:rPr lang="fr-FR" smtClean="0"/>
               <a:pPr/>
-              <a:t>01/06/2018</a:t>
+              <a:t>04/06/2018</a:t>
             </a:fld>
             <a:endParaRPr lang="fr-FR"/>
           </a:p>
@@ -3270,7 +3270,7 @@
     </p:spTree>
     <p:extLst>
       <p:ext uri="{BB962C8B-B14F-4D97-AF65-F5344CB8AC3E}">
-        <p14:creationId xmlns="" xmlns:p14="http://schemas.microsoft.com/office/powerpoint/2010/main" val="3576098910"/>
+        <p14:creationId xmlns:p14="http://schemas.microsoft.com/office/powerpoint/2010/main" xmlns="" val="3576098910"/>
       </p:ext>
     </p:extLst>
   </p:cSld>
@@ -3756,6 +3756,42 @@
           </a:p>
         </p:txBody>
       </p:sp>
+      <p:pic>
+        <p:nvPicPr>
+          <p:cNvPr id="110" name="Image 109" descr="photo.PNG"/>
+          <p:cNvPicPr>
+            <a:picLocks noChangeAspect="1"/>
+          </p:cNvPicPr>
+          <p:nvPr/>
+        </p:nvPicPr>
+        <p:blipFill>
+          <a:blip r:embed="rId3">
+            <a:clrChange>
+              <a:clrFrom>
+                <a:srgbClr val="FFFFFF"/>
+              </a:clrFrom>
+              <a:clrTo>
+                <a:srgbClr val="FFFFFF">
+                  <a:alpha val="0"/>
+                </a:srgbClr>
+              </a:clrTo>
+            </a:clrChange>
+          </a:blip>
+          <a:srcRect l="4659" t="7067" r="10875"/>
+          <a:stretch>
+            <a:fillRect/>
+          </a:stretch>
+        </p:blipFill>
+        <p:spPr>
+          <a:xfrm>
+            <a:off x="5686274" y="70174"/>
+            <a:ext cx="1710879" cy="1667917"/>
+          </a:xfrm>
+          <a:prstGeom prst="rect">
+            <a:avLst/>
+          </a:prstGeom>
+        </p:spPr>
+      </p:pic>
       <p:sp>
         <p:nvSpPr>
           <p:cNvPr id="4" name="TextBox 3"/>
@@ -3847,7 +3883,7 @@
           <p:nvPr>
             <p:extLst>
               <p:ext uri="{D42A27DB-BD31-4B8C-83A1-F6EECF244321}">
-                <p14:modId xmlns="" xmlns:p14="http://schemas.microsoft.com/office/powerpoint/2010/main" val="1232012540"/>
+                <p14:modId xmlns:p14="http://schemas.microsoft.com/office/powerpoint/2010/main" xmlns="" val="1232012540"/>
               </p:ext>
             </p:extLst>
           </p:nvPr>
@@ -3866,7 +3902,7 @@
                 <a:gridCol w="2329082">
                   <a:extLst>
                     <a:ext uri="{9D8B030D-6E8A-4147-A177-3AD203B41FA5}">
-                      <a16:colId xmlns="" xmlns:a16="http://schemas.microsoft.com/office/drawing/2014/main" val="20000"/>
+                      <a16:colId xmlns:a16="http://schemas.microsoft.com/office/drawing/2014/main" xmlns="" val="20000"/>
                     </a:ext>
                   </a:extLst>
                 </a:gridCol>
@@ -3910,7 +3946,7 @@
                 </a:tc>
                 <a:extLst>
                   <a:ext uri="{0D108BD9-81ED-4DB2-BD59-A6C34878D82A}">
-                    <a16:rowId xmlns="" xmlns:a16="http://schemas.microsoft.com/office/drawing/2014/main" val="10000"/>
+                    <a16:rowId xmlns:a16="http://schemas.microsoft.com/office/drawing/2014/main" xmlns="" val="10000"/>
                   </a:ext>
                 </a:extLst>
               </a:tr>
@@ -3953,7 +3989,7 @@
                 </a:tc>
                 <a:extLst>
                   <a:ext uri="{0D108BD9-81ED-4DB2-BD59-A6C34878D82A}">
-                    <a16:rowId xmlns="" xmlns:a16="http://schemas.microsoft.com/office/drawing/2014/main" val="10001"/>
+                    <a16:rowId xmlns:a16="http://schemas.microsoft.com/office/drawing/2014/main" xmlns="" val="10001"/>
                   </a:ext>
                 </a:extLst>
               </a:tr>
@@ -3996,7 +4032,7 @@
                 </a:tc>
                 <a:extLst>
                   <a:ext uri="{0D108BD9-81ED-4DB2-BD59-A6C34878D82A}">
-                    <a16:rowId xmlns="" xmlns:a16="http://schemas.microsoft.com/office/drawing/2014/main" val="10002"/>
+                    <a16:rowId xmlns:a16="http://schemas.microsoft.com/office/drawing/2014/main" xmlns="" val="10002"/>
                   </a:ext>
                 </a:extLst>
               </a:tr>
@@ -4039,7 +4075,7 @@
                 </a:tc>
                 <a:extLst>
                   <a:ext uri="{0D108BD9-81ED-4DB2-BD59-A6C34878D82A}">
-                    <a16:rowId xmlns="" xmlns:a16="http://schemas.microsoft.com/office/drawing/2014/main" val="10003"/>
+                    <a16:rowId xmlns:a16="http://schemas.microsoft.com/office/drawing/2014/main" xmlns="" val="10003"/>
                   </a:ext>
                 </a:extLst>
               </a:tr>
@@ -4082,7 +4118,7 @@
                 </a:tc>
                 <a:extLst>
                   <a:ext uri="{0D108BD9-81ED-4DB2-BD59-A6C34878D82A}">
-                    <a16:rowId xmlns="" xmlns:a16="http://schemas.microsoft.com/office/drawing/2014/main" val="10004"/>
+                    <a16:rowId xmlns:a16="http://schemas.microsoft.com/office/drawing/2014/main" xmlns="" val="10004"/>
                   </a:ext>
                 </a:extLst>
               </a:tr>
@@ -4125,7 +4161,7 @@
                 </a:tc>
                 <a:extLst>
                   <a:ext uri="{0D108BD9-81ED-4DB2-BD59-A6C34878D82A}">
-                    <a16:rowId xmlns="" xmlns:a16="http://schemas.microsoft.com/office/drawing/2014/main" val="10005"/>
+                    <a16:rowId xmlns:a16="http://schemas.microsoft.com/office/drawing/2014/main" xmlns="" val="10005"/>
                   </a:ext>
                 </a:extLst>
               </a:tr>
@@ -4168,7 +4204,7 @@
                 </a:tc>
                 <a:extLst>
                   <a:ext uri="{0D108BD9-81ED-4DB2-BD59-A6C34878D82A}">
-                    <a16:rowId xmlns="" xmlns:a16="http://schemas.microsoft.com/office/drawing/2014/main" val="10006"/>
+                    <a16:rowId xmlns:a16="http://schemas.microsoft.com/office/drawing/2014/main" xmlns="" val="10006"/>
                   </a:ext>
                 </a:extLst>
               </a:tr>
@@ -4846,7 +4882,7 @@
           <p:nvPr>
             <p:extLst>
               <p:ext uri="{D42A27DB-BD31-4B8C-83A1-F6EECF244321}">
-                <p14:modId xmlns="" xmlns:p14="http://schemas.microsoft.com/office/powerpoint/2010/main" val="826767824"/>
+                <p14:modId xmlns:p14="http://schemas.microsoft.com/office/powerpoint/2010/main" xmlns="" val="826767824"/>
               </p:ext>
             </p:extLst>
           </p:nvPr>
@@ -4865,7 +4901,7 @@
                 <a:gridCol w="2329082">
                   <a:extLst>
                     <a:ext uri="{9D8B030D-6E8A-4147-A177-3AD203B41FA5}">
-                      <a16:colId xmlns="" xmlns:a16="http://schemas.microsoft.com/office/drawing/2014/main" val="20000"/>
+                      <a16:colId xmlns:a16="http://schemas.microsoft.com/office/drawing/2014/main" xmlns="" val="20000"/>
                     </a:ext>
                   </a:extLst>
                 </a:gridCol>
@@ -4901,7 +4937,7 @@
                 </a:tc>
                 <a:extLst>
                   <a:ext uri="{0D108BD9-81ED-4DB2-BD59-A6C34878D82A}">
-                    <a16:rowId xmlns="" xmlns:a16="http://schemas.microsoft.com/office/drawing/2014/main" val="10000"/>
+                    <a16:rowId xmlns:a16="http://schemas.microsoft.com/office/drawing/2014/main" xmlns="" val="10000"/>
                   </a:ext>
                 </a:extLst>
               </a:tr>
@@ -4936,7 +4972,7 @@
                 </a:tc>
                 <a:extLst>
                   <a:ext uri="{0D108BD9-81ED-4DB2-BD59-A6C34878D82A}">
-                    <a16:rowId xmlns="" xmlns:a16="http://schemas.microsoft.com/office/drawing/2014/main" val="10001"/>
+                    <a16:rowId xmlns:a16="http://schemas.microsoft.com/office/drawing/2014/main" xmlns="" val="10001"/>
                   </a:ext>
                 </a:extLst>
               </a:tr>
@@ -4971,7 +5007,7 @@
                 </a:tc>
                 <a:extLst>
                   <a:ext uri="{0D108BD9-81ED-4DB2-BD59-A6C34878D82A}">
-                    <a16:rowId xmlns="" xmlns:a16="http://schemas.microsoft.com/office/drawing/2014/main" val="10002"/>
+                    <a16:rowId xmlns:a16="http://schemas.microsoft.com/office/drawing/2014/main" xmlns="" val="10002"/>
                   </a:ext>
                 </a:extLst>
               </a:tr>
@@ -5514,7 +5550,7 @@
           <p:nvPr>
             <p:extLst>
               <p:ext uri="{D42A27DB-BD31-4B8C-83A1-F6EECF244321}">
-                <p14:modId xmlns="" xmlns:p14="http://schemas.microsoft.com/office/powerpoint/2010/main" val="1533819091"/>
+                <p14:modId xmlns:p14="http://schemas.microsoft.com/office/powerpoint/2010/main" xmlns="" val="1533819091"/>
               </p:ext>
             </p:extLst>
           </p:nvPr>
@@ -5533,14 +5569,14 @@
                 <a:gridCol w="878946">
                   <a:extLst>
                     <a:ext uri="{9D8B030D-6E8A-4147-A177-3AD203B41FA5}">
-                      <a16:colId xmlns="" xmlns:a16="http://schemas.microsoft.com/office/drawing/2014/main" val="20000"/>
+                      <a16:colId xmlns:a16="http://schemas.microsoft.com/office/drawing/2014/main" xmlns="" val="20000"/>
                     </a:ext>
                   </a:extLst>
                 </a:gridCol>
                 <a:gridCol w="3964434">
                   <a:extLst>
                     <a:ext uri="{9D8B030D-6E8A-4147-A177-3AD203B41FA5}">
-                      <a16:colId xmlns="" xmlns:a16="http://schemas.microsoft.com/office/drawing/2014/main" val="20001"/>
+                      <a16:colId xmlns:a16="http://schemas.microsoft.com/office/drawing/2014/main" xmlns="" val="20001"/>
                     </a:ext>
                   </a:extLst>
                 </a:gridCol>
@@ -5784,7 +5820,7 @@
                 </a:tc>
                 <a:extLst>
                   <a:ext uri="{0D108BD9-81ED-4DB2-BD59-A6C34878D82A}">
-                    <a16:rowId xmlns="" xmlns:a16="http://schemas.microsoft.com/office/drawing/2014/main" val="10000"/>
+                    <a16:rowId xmlns:a16="http://schemas.microsoft.com/office/drawing/2014/main" xmlns="" val="10000"/>
                   </a:ext>
                 </a:extLst>
               </a:tr>
@@ -5801,14 +5837,14 @@
           <p:nvPr>
             <p:extLst>
               <p:ext uri="{D42A27DB-BD31-4B8C-83A1-F6EECF244321}">
-                <p14:modId xmlns="" xmlns:p14="http://schemas.microsoft.com/office/powerpoint/2010/main" val="1450300068"/>
+                <p14:modId xmlns:p14="http://schemas.microsoft.com/office/powerpoint/2010/main" xmlns="" val="1450300068"/>
               </p:ext>
             </p:extLst>
           </p:nvPr>
         </p:nvGraphicFramePr>
         <p:xfrm>
           <a:off x="727077" y="5354405"/>
-          <a:ext cx="4611846" cy="1384024"/>
+          <a:ext cx="4611846" cy="612002"/>
         </p:xfrm>
         <a:graphic>
           <a:graphicData uri="http://schemas.openxmlformats.org/drawingml/2006/table">
@@ -5820,19 +5856,19 @@
                 <a:gridCol w="836929">
                   <a:extLst>
                     <a:ext uri="{9D8B030D-6E8A-4147-A177-3AD203B41FA5}">
-                      <a16:colId xmlns="" xmlns:a16="http://schemas.microsoft.com/office/drawing/2014/main" val="20000"/>
+                      <a16:colId xmlns:a16="http://schemas.microsoft.com/office/drawing/2014/main" xmlns="" val="20000"/>
                     </a:ext>
                   </a:extLst>
                 </a:gridCol>
                 <a:gridCol w="3774917">
                   <a:extLst>
                     <a:ext uri="{9D8B030D-6E8A-4147-A177-3AD203B41FA5}">
-                      <a16:colId xmlns="" xmlns:a16="http://schemas.microsoft.com/office/drawing/2014/main" val="20001"/>
+                      <a16:colId xmlns:a16="http://schemas.microsoft.com/office/drawing/2014/main" xmlns="" val="20001"/>
                     </a:ext>
                   </a:extLst>
                 </a:gridCol>
               </a:tblGrid>
-              <a:tr h="288868">
+              <a:tr h="342439">
                 <a:tc>
                   <a:txBody>
                     <a:bodyPr/>
@@ -6065,58 +6101,7 @@
                           <a:ea typeface="Times New Roman" charset="0"/>
                           <a:cs typeface="Times New Roman" charset="0"/>
                         </a:rPr>
-                        <a:t> </a:t>
-                      </a:r>
-                      <a:r>
-                        <a:rPr kumimoji="0" lang="fr-FR" sz="1050" b="0" i="0" u="none" strike="noStrike" kern="1200" cap="none" spc="0" normalizeH="0" baseline="0" noProof="0" smtClean="0">
-                          <a:ln>
-                            <a:noFill/>
-                          </a:ln>
-                          <a:solidFill>
-                            <a:srgbClr val="7F7F7F"/>
-                          </a:solidFill>
-                          <a:effectLst/>
-                          <a:uLnTx/>
-                          <a:uFillTx/>
-                          <a:latin typeface="+mn-lt"/>
-                          <a:ea typeface="Times New Roman" charset="0"/>
-                          <a:cs typeface="Times New Roman" charset="0"/>
-                        </a:rPr>
-                        <a:t>d’une </a:t>
-                      </a:r>
-                      <a:r>
-                        <a:rPr kumimoji="0" lang="fr-FR" sz="1050" b="0" i="0" u="none" strike="noStrike" kern="1200" cap="none" spc="0" normalizeH="0" baseline="0" noProof="0" smtClean="0">
-                          <a:ln>
-                            <a:noFill/>
-                          </a:ln>
-                          <a:solidFill>
-                            <a:srgbClr val="7F7F7F"/>
-                          </a:solidFill>
-                          <a:effectLst/>
-                          <a:uLnTx/>
-                          <a:uFillTx/>
-                          <a:latin typeface="+mn-lt"/>
-                          <a:ea typeface="Times New Roman" charset="0"/>
-                          <a:cs typeface="Times New Roman" charset="0"/>
-                        </a:rPr>
-                        <a:t>projet E-Banking </a:t>
-                      </a:r>
-                      <a:r>
-                        <a:rPr kumimoji="0" lang="fr-FR" sz="1050" b="0" i="0" u="none" strike="noStrike" kern="1200" cap="none" spc="0" normalizeH="0" baseline="0" noProof="0" dirty="0" smtClean="0">
-                          <a:ln>
-                            <a:noFill/>
-                          </a:ln>
-                          <a:solidFill>
-                            <a:srgbClr val="7F7F7F"/>
-                          </a:solidFill>
-                          <a:effectLst/>
-                          <a:uLnTx/>
-                          <a:uFillTx/>
-                          <a:latin typeface="+mn-lt"/>
-                          <a:ea typeface="Times New Roman" charset="0"/>
-                          <a:cs typeface="Times New Roman" charset="0"/>
-                        </a:rPr>
-                        <a:t>en JEE chez l’entreprise BFI.</a:t>
+                        <a:t> d’une projet E-Banking en JEE chez l’entreprise BFI.</a:t>
                       </a:r>
                       <a:endParaRPr kumimoji="0" lang="fr-FR" sz="1050" b="0" i="0" u="none" strike="noStrike" kern="1200" cap="none" spc="0" normalizeH="0" baseline="0" noProof="0" dirty="0">
                         <a:ln>
@@ -6167,794 +6152,7 @@
                 </a:tc>
                 <a:extLst>
                   <a:ext uri="{0D108BD9-81ED-4DB2-BD59-A6C34878D82A}">
-                    <a16:rowId xmlns="" xmlns:a16="http://schemas.microsoft.com/office/drawing/2014/main" val="10000"/>
-                  </a:ext>
-                </a:extLst>
-              </a:tr>
-              <a:tr h="292654">
-                <a:tc>
-                  <a:txBody>
-                    <a:bodyPr/>
-                    <a:lstStyle/>
-                    <a:p>
-                      <a:pPr marL="7938" marR="0" indent="0" algn="just" defTabSz="457200" rtl="0" eaLnBrk="1" fontAlgn="auto" latinLnBrk="0" hangingPunct="1">
-                        <a:lnSpc>
-                          <a:spcPct val="100000"/>
-                        </a:lnSpc>
-                        <a:spcBef>
-                          <a:spcPts val="0"/>
-                        </a:spcBef>
-                        <a:spcAft>
-                          <a:spcPts val="0"/>
-                        </a:spcAft>
-                        <a:buClrTx/>
-                        <a:buSzTx/>
-                        <a:buFontTx/>
-                        <a:buNone/>
-                        <a:tabLst/>
-                        <a:defRPr/>
-                      </a:pPr>
-                      <a:r>
-                        <a:rPr lang="fr-FR" sz="1100" b="1" i="0" dirty="0" smtClean="0">
-                          <a:solidFill>
-                            <a:srgbClr val="58585A"/>
-                          </a:solidFill>
-                          <a:latin typeface="+mn-lt"/>
-                          <a:ea typeface="Times New Roman" charset="0"/>
-                          <a:cs typeface="Times New Roman" charset="0"/>
-                        </a:rPr>
-                        <a:t>2017</a:t>
-                      </a:r>
-                      <a:endParaRPr lang="fr-FR" sz="1100" b="1" i="0" dirty="0">
-                        <a:solidFill>
-                          <a:srgbClr val="58585A"/>
-                        </a:solidFill>
-                        <a:latin typeface="+mn-lt"/>
-                        <a:ea typeface="Times New Roman" charset="0"/>
-                        <a:cs typeface="Times New Roman" charset="0"/>
-                      </a:endParaRPr>
-                    </a:p>
-                  </a:txBody>
-                  <a:tcPr marL="86222" marR="86222" marT="43111" marB="43111">
-                    <a:lnL w="3175" cap="flat" cmpd="sng" algn="ctr">
-                      <a:noFill/>
-                      <a:prstDash val="solid"/>
-                      <a:round/>
-                      <a:headEnd type="none" w="med" len="med"/>
-                      <a:tailEnd type="none" w="med" len="med"/>
-                    </a:lnL>
-                    <a:lnR w="12700" cmpd="sng">
-                      <a:noFill/>
-                    </a:lnR>
-                    <a:lnT w="12700" cmpd="sng">
-                      <a:noFill/>
-                    </a:lnT>
-                    <a:lnB w="9525" cap="flat" cmpd="sng" algn="ctr">
-                      <a:noFill/>
-                      <a:prstDash val="solid"/>
-                      <a:round/>
-                      <a:headEnd type="none" w="med" len="med"/>
-                      <a:tailEnd type="none" w="med" len="med"/>
-                    </a:lnB>
-                    <a:lnTlToBr w="12700" cmpd="sng">
-                      <a:noFill/>
-                      <a:prstDash val="solid"/>
-                    </a:lnTlToBr>
-                    <a:lnBlToTr w="12700" cmpd="sng">
-                      <a:noFill/>
-                      <a:prstDash val="solid"/>
-                    </a:lnBlToTr>
-                  </a:tcPr>
-                </a:tc>
-                <a:tc>
-                  <a:txBody>
-                    <a:bodyPr/>
-                    <a:lstStyle/>
-                    <a:p>
-                      <a:pPr marL="0" marR="0" lvl="0" indent="0" algn="just" defTabSz="457200" rtl="0" eaLnBrk="1" fontAlgn="auto" latinLnBrk="0" hangingPunct="1">
-                        <a:lnSpc>
-                          <a:spcPct val="100000"/>
-                        </a:lnSpc>
-                        <a:spcBef>
-                          <a:spcPts val="0"/>
-                        </a:spcBef>
-                        <a:spcAft>
-                          <a:spcPts val="0"/>
-                        </a:spcAft>
-                        <a:buClr>
-                          <a:srgbClr val="00B050"/>
-                        </a:buClr>
-                        <a:buSzPct val="100000"/>
-                        <a:buFont typeface="Courier New" charset="0"/>
-                        <a:buNone/>
-                        <a:tabLst/>
-                        <a:defRPr/>
-                      </a:pPr>
-                      <a:r>
-                        <a:rPr kumimoji="0" lang="fr-FR" sz="1200" b="1" i="0" u="none" strike="noStrike" kern="1200" cap="none" spc="0" normalizeH="0" baseline="0" noProof="0" dirty="0" err="1">
-                          <a:ln>
-                            <a:noFill/>
-                          </a:ln>
-                          <a:solidFill>
-                            <a:prstClr val="black"/>
-                          </a:solidFill>
-                          <a:effectLst/>
-                          <a:uLnTx/>
-                          <a:uFillTx/>
-                          <a:latin typeface="+mn-lt"/>
-                          <a:ea typeface="Times New Roman" charset="0"/>
-                          <a:cs typeface="Times New Roman" charset="0"/>
-                        </a:rPr>
-                        <a:t>Lorem</a:t>
-                      </a:r>
-                      <a:r>
-                        <a:rPr kumimoji="0" lang="fr-FR" sz="1200" b="1" i="0" u="none" strike="noStrike" kern="1200" cap="none" spc="0" normalizeH="0" baseline="0" noProof="0" dirty="0">
-                          <a:ln>
-                            <a:noFill/>
-                          </a:ln>
-                          <a:solidFill>
-                            <a:prstClr val="black"/>
-                          </a:solidFill>
-                          <a:effectLst/>
-                          <a:uLnTx/>
-                          <a:uFillTx/>
-                          <a:latin typeface="+mn-lt"/>
-                          <a:ea typeface="Times New Roman" charset="0"/>
-                          <a:cs typeface="Times New Roman" charset="0"/>
-                        </a:rPr>
-                        <a:t> </a:t>
-                      </a:r>
-                      <a:r>
-                        <a:rPr kumimoji="0" lang="fr-FR" sz="1200" b="1" i="0" u="none" strike="noStrike" kern="1200" cap="none" spc="0" normalizeH="0" baseline="0" noProof="0" dirty="0" err="1">
-                          <a:ln>
-                            <a:noFill/>
-                          </a:ln>
-                          <a:solidFill>
-                            <a:prstClr val="black"/>
-                          </a:solidFill>
-                          <a:effectLst/>
-                          <a:uLnTx/>
-                          <a:uFillTx/>
-                          <a:latin typeface="+mn-lt"/>
-                          <a:ea typeface="Times New Roman" charset="0"/>
-                          <a:cs typeface="Times New Roman" charset="0"/>
-                        </a:rPr>
-                        <a:t>Ipsum</a:t>
-                      </a:r>
-                      <a:r>
-                        <a:rPr kumimoji="0" lang="fr-FR" sz="1200" b="1" i="0" u="none" strike="noStrike" kern="1200" cap="none" spc="0" normalizeH="0" baseline="0" noProof="0" dirty="0">
-                          <a:ln>
-                            <a:noFill/>
-                          </a:ln>
-                          <a:solidFill>
-                            <a:prstClr val="black"/>
-                          </a:solidFill>
-                          <a:effectLst/>
-                          <a:uLnTx/>
-                          <a:uFillTx/>
-                          <a:latin typeface="+mn-lt"/>
-                          <a:ea typeface="Times New Roman" charset="0"/>
-                          <a:cs typeface="Times New Roman" charset="0"/>
-                        </a:rPr>
-                        <a:t> </a:t>
-                      </a:r>
-                    </a:p>
-                    <a:p>
-                      <a:pPr marL="0" marR="0" lvl="0" indent="0" algn="just" defTabSz="457200" rtl="0" eaLnBrk="1" fontAlgn="auto" latinLnBrk="0" hangingPunct="1">
-                        <a:lnSpc>
-                          <a:spcPct val="100000"/>
-                        </a:lnSpc>
-                        <a:spcBef>
-                          <a:spcPts val="0"/>
-                        </a:spcBef>
-                        <a:spcAft>
-                          <a:spcPts val="0"/>
-                        </a:spcAft>
-                        <a:buClr>
-                          <a:srgbClr val="00B050"/>
-                        </a:buClr>
-                        <a:buSzPct val="100000"/>
-                        <a:buFont typeface="Courier New" charset="0"/>
-                        <a:buNone/>
-                        <a:tabLst/>
-                        <a:defRPr/>
-                      </a:pPr>
-                      <a:r>
-                        <a:rPr kumimoji="0" lang="fr-FR" sz="1200" b="1" i="0" u="none" strike="noStrike" kern="1200" cap="none" spc="0" normalizeH="0" baseline="0" noProof="0" dirty="0" err="1">
-                          <a:ln>
-                            <a:noFill/>
-                          </a:ln>
-                          <a:solidFill>
-                            <a:prstClr val="black"/>
-                          </a:solidFill>
-                          <a:effectLst/>
-                          <a:uLnTx/>
-                          <a:uFillTx/>
-                          <a:latin typeface="+mn-lt"/>
-                          <a:ea typeface="Times New Roman" charset="0"/>
-                          <a:cs typeface="Times New Roman" charset="0"/>
-                        </a:rPr>
-                        <a:t>Lorem</a:t>
-                      </a:r>
-                      <a:endParaRPr kumimoji="0" lang="fr-FR" sz="1200" b="1" i="0" u="none" strike="noStrike" kern="1200" cap="none" spc="0" normalizeH="0" baseline="0" noProof="0" dirty="0">
-                        <a:ln>
-                          <a:noFill/>
-                        </a:ln>
-                        <a:solidFill>
-                          <a:prstClr val="black"/>
-                        </a:solidFill>
-                        <a:effectLst/>
-                        <a:uLnTx/>
-                        <a:uFillTx/>
-                        <a:latin typeface="+mn-lt"/>
-                        <a:ea typeface="Times New Roman" charset="0"/>
-                        <a:cs typeface="Times New Roman" charset="0"/>
-                      </a:endParaRPr>
-                    </a:p>
-                    <a:p>
-                      <a:pPr marL="0" marR="0" lvl="0" indent="0" algn="just" defTabSz="457200" rtl="0" eaLnBrk="1" fontAlgn="auto" latinLnBrk="0" hangingPunct="1">
-                        <a:lnSpc>
-                          <a:spcPct val="100000"/>
-                        </a:lnSpc>
-                        <a:spcBef>
-                          <a:spcPts val="0"/>
-                        </a:spcBef>
-                        <a:spcAft>
-                          <a:spcPts val="0"/>
-                        </a:spcAft>
-                        <a:buClrTx/>
-                        <a:buSzTx/>
-                        <a:buFontTx/>
-                        <a:buNone/>
-                        <a:tabLst/>
-                        <a:defRPr/>
-                      </a:pPr>
-                      <a:r>
-                        <a:rPr kumimoji="0" lang="fr-FR" sz="1050" b="0" i="0" u="none" strike="noStrike" kern="1200" cap="none" spc="0" normalizeH="0" baseline="0" noProof="0" dirty="0" err="1">
-                          <a:ln>
-                            <a:noFill/>
-                          </a:ln>
-                          <a:solidFill>
-                            <a:srgbClr val="7F7F7F"/>
-                          </a:solidFill>
-                          <a:effectLst/>
-                          <a:uLnTx/>
-                          <a:uFillTx/>
-                          <a:latin typeface="+mn-lt"/>
-                          <a:ea typeface="Times New Roman" charset="0"/>
-                          <a:cs typeface="Times New Roman" charset="0"/>
-                        </a:rPr>
-                        <a:t>Lorem</a:t>
-                      </a:r>
-                      <a:r>
-                        <a:rPr kumimoji="0" lang="fr-FR" sz="1050" b="0" i="0" u="none" strike="noStrike" kern="1200" cap="none" spc="0" normalizeH="0" baseline="0" noProof="0" dirty="0">
-                          <a:ln>
-                            <a:noFill/>
-                          </a:ln>
-                          <a:solidFill>
-                            <a:srgbClr val="7F7F7F"/>
-                          </a:solidFill>
-                          <a:effectLst/>
-                          <a:uLnTx/>
-                          <a:uFillTx/>
-                          <a:latin typeface="+mn-lt"/>
-                          <a:ea typeface="Times New Roman" charset="0"/>
-                          <a:cs typeface="Times New Roman" charset="0"/>
-                        </a:rPr>
-                        <a:t> </a:t>
-                      </a:r>
-                      <a:r>
-                        <a:rPr kumimoji="0" lang="fr-FR" sz="1050" b="0" i="0" u="none" strike="noStrike" kern="1200" cap="none" spc="0" normalizeH="0" baseline="0" noProof="0" dirty="0" err="1">
-                          <a:ln>
-                            <a:noFill/>
-                          </a:ln>
-                          <a:solidFill>
-                            <a:srgbClr val="7F7F7F"/>
-                          </a:solidFill>
-                          <a:effectLst/>
-                          <a:uLnTx/>
-                          <a:uFillTx/>
-                          <a:latin typeface="+mn-lt"/>
-                          <a:ea typeface="Times New Roman" charset="0"/>
-                          <a:cs typeface="Times New Roman" charset="0"/>
-                        </a:rPr>
-                        <a:t>ipsum</a:t>
-                      </a:r>
-                      <a:r>
-                        <a:rPr kumimoji="0" lang="fr-FR" sz="1050" b="0" i="0" u="none" strike="noStrike" kern="1200" cap="none" spc="0" normalizeH="0" baseline="0" noProof="0" dirty="0">
-                          <a:ln>
-                            <a:noFill/>
-                          </a:ln>
-                          <a:solidFill>
-                            <a:srgbClr val="7F7F7F"/>
-                          </a:solidFill>
-                          <a:effectLst/>
-                          <a:uLnTx/>
-                          <a:uFillTx/>
-                          <a:latin typeface="+mn-lt"/>
-                          <a:ea typeface="Times New Roman" charset="0"/>
-                          <a:cs typeface="Times New Roman" charset="0"/>
-                        </a:rPr>
-                        <a:t> </a:t>
-                      </a:r>
-                      <a:r>
-                        <a:rPr kumimoji="0" lang="fr-FR" sz="1050" b="0" i="0" u="none" strike="noStrike" kern="1200" cap="none" spc="0" normalizeH="0" baseline="0" noProof="0" dirty="0" err="1">
-                          <a:ln>
-                            <a:noFill/>
-                          </a:ln>
-                          <a:solidFill>
-                            <a:srgbClr val="7F7F7F"/>
-                          </a:solidFill>
-                          <a:effectLst/>
-                          <a:uLnTx/>
-                          <a:uFillTx/>
-                          <a:latin typeface="+mn-lt"/>
-                          <a:ea typeface="Times New Roman" charset="0"/>
-                          <a:cs typeface="Times New Roman" charset="0"/>
-                        </a:rPr>
-                        <a:t>dolor</a:t>
-                      </a:r>
-                      <a:r>
-                        <a:rPr kumimoji="0" lang="fr-FR" sz="1050" b="0" i="0" u="none" strike="noStrike" kern="1200" cap="none" spc="0" normalizeH="0" baseline="0" noProof="0" dirty="0">
-                          <a:ln>
-                            <a:noFill/>
-                          </a:ln>
-                          <a:solidFill>
-                            <a:srgbClr val="7F7F7F"/>
-                          </a:solidFill>
-                          <a:effectLst/>
-                          <a:uLnTx/>
-                          <a:uFillTx/>
-                          <a:latin typeface="+mn-lt"/>
-                          <a:ea typeface="Times New Roman" charset="0"/>
-                          <a:cs typeface="Times New Roman" charset="0"/>
-                        </a:rPr>
-                        <a:t> </a:t>
-                      </a:r>
-                      <a:r>
-                        <a:rPr kumimoji="0" lang="fr-FR" sz="1050" b="0" i="0" u="none" strike="noStrike" kern="1200" cap="none" spc="0" normalizeH="0" baseline="0" noProof="0" dirty="0" err="1">
-                          <a:ln>
-                            <a:noFill/>
-                          </a:ln>
-                          <a:solidFill>
-                            <a:srgbClr val="7F7F7F"/>
-                          </a:solidFill>
-                          <a:effectLst/>
-                          <a:uLnTx/>
-                          <a:uFillTx/>
-                          <a:latin typeface="+mn-lt"/>
-                          <a:ea typeface="Times New Roman" charset="0"/>
-                          <a:cs typeface="Times New Roman" charset="0"/>
-                        </a:rPr>
-                        <a:t>sit</a:t>
-                      </a:r>
-                      <a:r>
-                        <a:rPr kumimoji="0" lang="fr-FR" sz="1050" b="0" i="0" u="none" strike="noStrike" kern="1200" cap="none" spc="0" normalizeH="0" baseline="0" noProof="0" dirty="0">
-                          <a:ln>
-                            <a:noFill/>
-                          </a:ln>
-                          <a:solidFill>
-                            <a:srgbClr val="7F7F7F"/>
-                          </a:solidFill>
-                          <a:effectLst/>
-                          <a:uLnTx/>
-                          <a:uFillTx/>
-                          <a:latin typeface="+mn-lt"/>
-                          <a:ea typeface="Times New Roman" charset="0"/>
-                          <a:cs typeface="Times New Roman" charset="0"/>
-                        </a:rPr>
-                        <a:t> </a:t>
-                      </a:r>
-                      <a:r>
-                        <a:rPr kumimoji="0" lang="fr-FR" sz="1050" b="0" i="0" u="none" strike="noStrike" kern="1200" cap="none" spc="0" normalizeH="0" baseline="0" noProof="0" dirty="0" err="1">
-                          <a:ln>
-                            <a:noFill/>
-                          </a:ln>
-                          <a:solidFill>
-                            <a:srgbClr val="7F7F7F"/>
-                          </a:solidFill>
-                          <a:effectLst/>
-                          <a:uLnTx/>
-                          <a:uFillTx/>
-                          <a:latin typeface="+mn-lt"/>
-                          <a:ea typeface="Times New Roman" charset="0"/>
-                          <a:cs typeface="Times New Roman" charset="0"/>
-                        </a:rPr>
-                        <a:t>amet</a:t>
-                      </a:r>
-                      <a:r>
-                        <a:rPr kumimoji="0" lang="fr-FR" sz="1050" b="0" i="0" u="none" strike="noStrike" kern="1200" cap="none" spc="0" normalizeH="0" baseline="0" noProof="0" dirty="0">
-                          <a:ln>
-                            <a:noFill/>
-                          </a:ln>
-                          <a:solidFill>
-                            <a:srgbClr val="7F7F7F"/>
-                          </a:solidFill>
-                          <a:effectLst/>
-                          <a:uLnTx/>
-                          <a:uFillTx/>
-                          <a:latin typeface="+mn-lt"/>
-                          <a:ea typeface="Times New Roman" charset="0"/>
-                          <a:cs typeface="Times New Roman" charset="0"/>
-                        </a:rPr>
-                        <a:t>, </a:t>
-                      </a:r>
-                      <a:r>
-                        <a:rPr kumimoji="0" lang="fr-FR" sz="1050" b="0" i="0" u="none" strike="noStrike" kern="1200" cap="none" spc="0" normalizeH="0" baseline="0" noProof="0" dirty="0" err="1">
-                          <a:ln>
-                            <a:noFill/>
-                          </a:ln>
-                          <a:solidFill>
-                            <a:srgbClr val="7F7F7F"/>
-                          </a:solidFill>
-                          <a:effectLst/>
-                          <a:uLnTx/>
-                          <a:uFillTx/>
-                          <a:latin typeface="+mn-lt"/>
-                          <a:ea typeface="Times New Roman" charset="0"/>
-                          <a:cs typeface="Times New Roman" charset="0"/>
-                        </a:rPr>
-                        <a:t>consectetur</a:t>
-                      </a:r>
-                      <a:r>
-                        <a:rPr kumimoji="0" lang="fr-FR" sz="1050" b="0" i="0" u="none" strike="noStrike" kern="1200" cap="none" spc="0" normalizeH="0" baseline="0" noProof="0" dirty="0">
-                          <a:ln>
-                            <a:noFill/>
-                          </a:ln>
-                          <a:solidFill>
-                            <a:srgbClr val="7F7F7F"/>
-                          </a:solidFill>
-                          <a:effectLst/>
-                          <a:uLnTx/>
-                          <a:uFillTx/>
-                          <a:latin typeface="+mn-lt"/>
-                          <a:ea typeface="Times New Roman" charset="0"/>
-                          <a:cs typeface="Times New Roman" charset="0"/>
-                        </a:rPr>
-                        <a:t> </a:t>
-                      </a:r>
-                      <a:r>
-                        <a:rPr kumimoji="0" lang="fr-FR" sz="1050" b="0" i="0" u="none" strike="noStrike" kern="1200" cap="none" spc="0" normalizeH="0" baseline="0" noProof="0" dirty="0" err="1">
-                          <a:ln>
-                            <a:noFill/>
-                          </a:ln>
-                          <a:solidFill>
-                            <a:srgbClr val="7F7F7F"/>
-                          </a:solidFill>
-                          <a:effectLst/>
-                          <a:uLnTx/>
-                          <a:uFillTx/>
-                          <a:latin typeface="+mn-lt"/>
-                          <a:ea typeface="Times New Roman" charset="0"/>
-                          <a:cs typeface="Times New Roman" charset="0"/>
-                        </a:rPr>
-                        <a:t>adipiscing</a:t>
-                      </a:r>
-                      <a:r>
-                        <a:rPr kumimoji="0" lang="fr-FR" sz="1050" b="0" i="0" u="none" strike="noStrike" kern="1200" cap="none" spc="0" normalizeH="0" baseline="0" noProof="0" dirty="0">
-                          <a:ln>
-                            <a:noFill/>
-                          </a:ln>
-                          <a:solidFill>
-                            <a:srgbClr val="7F7F7F"/>
-                          </a:solidFill>
-                          <a:effectLst/>
-                          <a:uLnTx/>
-                          <a:uFillTx/>
-                          <a:latin typeface="+mn-lt"/>
-                          <a:ea typeface="Times New Roman" charset="0"/>
-                          <a:cs typeface="Times New Roman" charset="0"/>
-                        </a:rPr>
-                        <a:t> </a:t>
-                      </a:r>
-                      <a:r>
-                        <a:rPr kumimoji="0" lang="fr-FR" sz="1050" b="0" i="0" u="none" strike="noStrike" kern="1200" cap="none" spc="0" normalizeH="0" baseline="0" noProof="0" dirty="0" err="1">
-                          <a:ln>
-                            <a:noFill/>
-                          </a:ln>
-                          <a:solidFill>
-                            <a:srgbClr val="7F7F7F"/>
-                          </a:solidFill>
-                          <a:effectLst/>
-                          <a:uLnTx/>
-                          <a:uFillTx/>
-                          <a:latin typeface="+mn-lt"/>
-                          <a:ea typeface="Times New Roman" charset="0"/>
-                          <a:cs typeface="Times New Roman" charset="0"/>
-                        </a:rPr>
-                        <a:t>elit</a:t>
-                      </a:r>
-                      <a:r>
-                        <a:rPr kumimoji="0" lang="fr-FR" sz="1050" b="0" i="0" u="none" strike="noStrike" kern="1200" cap="none" spc="0" normalizeH="0" baseline="0" noProof="0" dirty="0">
-                          <a:ln>
-                            <a:noFill/>
-                          </a:ln>
-                          <a:solidFill>
-                            <a:srgbClr val="7F7F7F"/>
-                          </a:solidFill>
-                          <a:effectLst/>
-                          <a:uLnTx/>
-                          <a:uFillTx/>
-                          <a:latin typeface="+mn-lt"/>
-                          <a:ea typeface="Times New Roman" charset="0"/>
-                          <a:cs typeface="Times New Roman" charset="0"/>
-                        </a:rPr>
-                        <a:t>, </a:t>
-                      </a:r>
-                      <a:r>
-                        <a:rPr kumimoji="0" lang="fr-FR" sz="1050" b="0" i="0" u="none" strike="noStrike" kern="1200" cap="none" spc="0" normalizeH="0" baseline="0" noProof="0" dirty="0" err="1">
-                          <a:ln>
-                            <a:noFill/>
-                          </a:ln>
-                          <a:solidFill>
-                            <a:srgbClr val="7F7F7F"/>
-                          </a:solidFill>
-                          <a:effectLst/>
-                          <a:uLnTx/>
-                          <a:uFillTx/>
-                          <a:latin typeface="+mn-lt"/>
-                          <a:ea typeface="Times New Roman" charset="0"/>
-                          <a:cs typeface="Times New Roman" charset="0"/>
-                        </a:rPr>
-                        <a:t>sed</a:t>
-                      </a:r>
-                      <a:r>
-                        <a:rPr kumimoji="0" lang="fr-FR" sz="1050" b="0" i="0" u="none" strike="noStrike" kern="1200" cap="none" spc="0" normalizeH="0" baseline="0" noProof="0" dirty="0">
-                          <a:ln>
-                            <a:noFill/>
-                          </a:ln>
-                          <a:solidFill>
-                            <a:srgbClr val="7F7F7F"/>
-                          </a:solidFill>
-                          <a:effectLst/>
-                          <a:uLnTx/>
-                          <a:uFillTx/>
-                          <a:latin typeface="+mn-lt"/>
-                          <a:ea typeface="Times New Roman" charset="0"/>
-                          <a:cs typeface="Times New Roman" charset="0"/>
-                        </a:rPr>
-                        <a:t> do </a:t>
-                      </a:r>
-                      <a:r>
-                        <a:rPr kumimoji="0" lang="fr-FR" sz="1050" b="0" i="0" u="none" strike="noStrike" kern="1200" cap="none" spc="0" normalizeH="0" baseline="0" noProof="0" dirty="0" err="1">
-                          <a:ln>
-                            <a:noFill/>
-                          </a:ln>
-                          <a:solidFill>
-                            <a:srgbClr val="7F7F7F"/>
-                          </a:solidFill>
-                          <a:effectLst/>
-                          <a:uLnTx/>
-                          <a:uFillTx/>
-                          <a:latin typeface="+mn-lt"/>
-                          <a:ea typeface="Times New Roman" charset="0"/>
-                          <a:cs typeface="Times New Roman" charset="0"/>
-                        </a:rPr>
-                        <a:t>eiusmod</a:t>
-                      </a:r>
-                      <a:r>
-                        <a:rPr kumimoji="0" lang="fr-FR" sz="1050" b="0" i="0" u="none" strike="noStrike" kern="1200" cap="none" spc="0" normalizeH="0" baseline="0" noProof="0" dirty="0">
-                          <a:ln>
-                            <a:noFill/>
-                          </a:ln>
-                          <a:solidFill>
-                            <a:srgbClr val="7F7F7F"/>
-                          </a:solidFill>
-                          <a:effectLst/>
-                          <a:uLnTx/>
-                          <a:uFillTx/>
-                          <a:latin typeface="+mn-lt"/>
-                          <a:ea typeface="Times New Roman" charset="0"/>
-                          <a:cs typeface="Times New Roman" charset="0"/>
-                        </a:rPr>
-                        <a:t> </a:t>
-                      </a:r>
-                      <a:r>
-                        <a:rPr kumimoji="0" lang="fr-FR" sz="1050" b="0" i="0" u="none" strike="noStrike" kern="1200" cap="none" spc="0" normalizeH="0" baseline="0" noProof="0" dirty="0" err="1">
-                          <a:ln>
-                            <a:noFill/>
-                          </a:ln>
-                          <a:solidFill>
-                            <a:srgbClr val="7F7F7F"/>
-                          </a:solidFill>
-                          <a:effectLst/>
-                          <a:uLnTx/>
-                          <a:uFillTx/>
-                          <a:latin typeface="+mn-lt"/>
-                          <a:ea typeface="Times New Roman" charset="0"/>
-                          <a:cs typeface="Times New Roman" charset="0"/>
-                        </a:rPr>
-                        <a:t>tempor</a:t>
-                      </a:r>
-                      <a:r>
-                        <a:rPr kumimoji="0" lang="fr-FR" sz="1050" b="0" i="0" u="none" strike="noStrike" kern="1200" cap="none" spc="0" normalizeH="0" baseline="0" noProof="0" dirty="0">
-                          <a:ln>
-                            <a:noFill/>
-                          </a:ln>
-                          <a:solidFill>
-                            <a:srgbClr val="7F7F7F"/>
-                          </a:solidFill>
-                          <a:effectLst/>
-                          <a:uLnTx/>
-                          <a:uFillTx/>
-                          <a:latin typeface="+mn-lt"/>
-                          <a:ea typeface="Times New Roman" charset="0"/>
-                          <a:cs typeface="Times New Roman" charset="0"/>
-                        </a:rPr>
-                        <a:t> </a:t>
-                      </a:r>
-                      <a:r>
-                        <a:rPr kumimoji="0" lang="fr-FR" sz="1050" b="0" i="0" u="none" strike="noStrike" kern="1200" cap="none" spc="0" normalizeH="0" baseline="0" noProof="0" dirty="0" err="1">
-                          <a:ln>
-                            <a:noFill/>
-                          </a:ln>
-                          <a:solidFill>
-                            <a:srgbClr val="7F7F7F"/>
-                          </a:solidFill>
-                          <a:effectLst/>
-                          <a:uLnTx/>
-                          <a:uFillTx/>
-                          <a:latin typeface="+mn-lt"/>
-                          <a:ea typeface="Times New Roman" charset="0"/>
-                          <a:cs typeface="Times New Roman" charset="0"/>
-                        </a:rPr>
-                        <a:t>incididunt</a:t>
-                      </a:r>
-                      <a:r>
-                        <a:rPr kumimoji="0" lang="fr-FR" sz="1050" b="0" i="0" u="none" strike="noStrike" kern="1200" cap="none" spc="0" normalizeH="0" baseline="0" noProof="0" dirty="0">
-                          <a:ln>
-                            <a:noFill/>
-                          </a:ln>
-                          <a:solidFill>
-                            <a:srgbClr val="7F7F7F"/>
-                          </a:solidFill>
-                          <a:effectLst/>
-                          <a:uLnTx/>
-                          <a:uFillTx/>
-                          <a:latin typeface="+mn-lt"/>
-                          <a:ea typeface="Times New Roman" charset="0"/>
-                          <a:cs typeface="Times New Roman" charset="0"/>
-                        </a:rPr>
-                        <a:t> ut </a:t>
-                      </a:r>
-                      <a:r>
-                        <a:rPr kumimoji="0" lang="fr-FR" sz="1050" b="0" i="0" u="none" strike="noStrike" kern="1200" cap="none" spc="0" normalizeH="0" baseline="0" noProof="0" dirty="0" err="1">
-                          <a:ln>
-                            <a:noFill/>
-                          </a:ln>
-                          <a:solidFill>
-                            <a:srgbClr val="7F7F7F"/>
-                          </a:solidFill>
-                          <a:effectLst/>
-                          <a:uLnTx/>
-                          <a:uFillTx/>
-                          <a:latin typeface="+mn-lt"/>
-                          <a:ea typeface="Times New Roman" charset="0"/>
-                          <a:cs typeface="Times New Roman" charset="0"/>
-                        </a:rPr>
-                        <a:t>labore</a:t>
-                      </a:r>
-                      <a:r>
-                        <a:rPr kumimoji="0" lang="fr-FR" sz="1050" b="0" i="0" u="none" strike="noStrike" kern="1200" cap="none" spc="0" normalizeH="0" baseline="0" noProof="0" dirty="0">
-                          <a:ln>
-                            <a:noFill/>
-                          </a:ln>
-                          <a:solidFill>
-                            <a:srgbClr val="7F7F7F"/>
-                          </a:solidFill>
-                          <a:effectLst/>
-                          <a:uLnTx/>
-                          <a:uFillTx/>
-                          <a:latin typeface="+mn-lt"/>
-                          <a:ea typeface="Times New Roman" charset="0"/>
-                          <a:cs typeface="Times New Roman" charset="0"/>
-                        </a:rPr>
-                        <a:t> et </a:t>
-                      </a:r>
-                      <a:r>
-                        <a:rPr kumimoji="0" lang="fr-FR" sz="1050" b="0" i="0" u="none" strike="noStrike" kern="1200" cap="none" spc="0" normalizeH="0" baseline="0" noProof="0" dirty="0" err="1">
-                          <a:ln>
-                            <a:noFill/>
-                          </a:ln>
-                          <a:solidFill>
-                            <a:srgbClr val="7F7F7F"/>
-                          </a:solidFill>
-                          <a:effectLst/>
-                          <a:uLnTx/>
-                          <a:uFillTx/>
-                          <a:latin typeface="+mn-lt"/>
-                          <a:ea typeface="Times New Roman" charset="0"/>
-                          <a:cs typeface="Times New Roman" charset="0"/>
-                        </a:rPr>
-                        <a:t>dolore</a:t>
-                      </a:r>
-                      <a:r>
-                        <a:rPr kumimoji="0" lang="fr-FR" sz="1050" b="0" i="0" u="none" strike="noStrike" kern="1200" cap="none" spc="0" normalizeH="0" baseline="0" noProof="0" dirty="0">
-                          <a:ln>
-                            <a:noFill/>
-                          </a:ln>
-                          <a:solidFill>
-                            <a:srgbClr val="7F7F7F"/>
-                          </a:solidFill>
-                          <a:effectLst/>
-                          <a:uLnTx/>
-                          <a:uFillTx/>
-                          <a:latin typeface="+mn-lt"/>
-                          <a:ea typeface="Times New Roman" charset="0"/>
-                          <a:cs typeface="Times New Roman" charset="0"/>
-                        </a:rPr>
-                        <a:t> magna </a:t>
-                      </a:r>
-                      <a:r>
-                        <a:rPr kumimoji="0" lang="fr-FR" sz="1050" b="0" i="0" u="none" strike="noStrike" kern="1200" cap="none" spc="0" normalizeH="0" baseline="0" noProof="0" dirty="0" err="1">
-                          <a:ln>
-                            <a:noFill/>
-                          </a:ln>
-                          <a:solidFill>
-                            <a:srgbClr val="7F7F7F"/>
-                          </a:solidFill>
-                          <a:effectLst/>
-                          <a:uLnTx/>
-                          <a:uFillTx/>
-                          <a:latin typeface="+mn-lt"/>
-                          <a:ea typeface="Times New Roman" charset="0"/>
-                          <a:cs typeface="Times New Roman" charset="0"/>
-                        </a:rPr>
-                        <a:t>aliqua</a:t>
-                      </a:r>
-                      <a:r>
-                        <a:rPr kumimoji="0" lang="fr-FR" sz="1050" b="0" i="0" u="none" strike="noStrike" kern="1200" cap="none" spc="0" normalizeH="0" baseline="0" noProof="0" dirty="0">
-                          <a:ln>
-                            <a:noFill/>
-                          </a:ln>
-                          <a:solidFill>
-                            <a:srgbClr val="7F7F7F"/>
-                          </a:solidFill>
-                          <a:effectLst/>
-                          <a:uLnTx/>
-                          <a:uFillTx/>
-                          <a:latin typeface="+mn-lt"/>
-                          <a:ea typeface="Times New Roman" charset="0"/>
-                          <a:cs typeface="Times New Roman" charset="0"/>
-                        </a:rPr>
-                        <a:t>. </a:t>
-                      </a:r>
-                    </a:p>
-                  </a:txBody>
-                  <a:tcPr marL="86222" marR="86222" marT="43111" marB="43111">
-                    <a:lnL w="3175" cap="flat" cmpd="sng" algn="ctr">
-                      <a:noFill/>
-                      <a:prstDash val="solid"/>
-                      <a:round/>
-                      <a:headEnd type="none" w="med" len="med"/>
-                      <a:tailEnd type="none" w="med" len="med"/>
-                    </a:lnL>
-                    <a:lnR w="12700" cmpd="sng">
-                      <a:noFill/>
-                    </a:lnR>
-                    <a:lnT w="12700" cmpd="sng">
-                      <a:noFill/>
-                    </a:lnT>
-                    <a:lnB w="9525" cap="flat" cmpd="sng" algn="ctr">
-                      <a:noFill/>
-                      <a:prstDash val="solid"/>
-                      <a:round/>
-                      <a:headEnd type="none" w="med" len="med"/>
-                      <a:tailEnd type="none" w="med" len="med"/>
-                    </a:lnB>
-                    <a:lnTlToBr w="12700" cmpd="sng">
-                      <a:noFill/>
-                      <a:prstDash val="solid"/>
-                    </a:lnTlToBr>
-                    <a:lnBlToTr w="12700" cmpd="sng">
-                      <a:noFill/>
-                      <a:prstDash val="solid"/>
-                    </a:lnBlToTr>
-                  </a:tcPr>
-                </a:tc>
-                <a:extLst>
-                  <a:ext uri="{0D108BD9-81ED-4DB2-BD59-A6C34878D82A}">
-                    <a16:rowId xmlns="" xmlns:a16="http://schemas.microsoft.com/office/drawing/2014/main" val="10002"/>
+                    <a16:rowId xmlns:a16="http://schemas.microsoft.com/office/drawing/2014/main" xmlns="" val="10000"/>
                   </a:ext>
                 </a:extLst>
               </a:tr>
@@ -7080,10 +6278,10 @@
           <p:nvPr/>
         </p:nvPicPr>
         <p:blipFill>
-          <a:blip r:embed="rId3">
+          <a:blip r:embed="rId4">
             <a:extLst>
               <a:ext uri="{28A0092B-C50C-407E-A947-70E740481C1C}">
-                <a14:useLocalDpi xmlns="" xmlns:a14="http://schemas.microsoft.com/office/drawing/2010/main" val="0"/>
+                <a14:useLocalDpi xmlns:a14="http://schemas.microsoft.com/office/drawing/2010/main" xmlns="" val="0"/>
               </a:ext>
             </a:extLst>
           </a:blip>
@@ -7110,10 +6308,10 @@
           <p:nvPr/>
         </p:nvPicPr>
         <p:blipFill>
-          <a:blip r:embed="rId4">
+          <a:blip r:embed="rId5">
             <a:extLst>
               <a:ext uri="{28A0092B-C50C-407E-A947-70E740481C1C}">
-                <a14:useLocalDpi xmlns="" xmlns:a14="http://schemas.microsoft.com/office/drawing/2010/main" val="0"/>
+                <a14:useLocalDpi xmlns:a14="http://schemas.microsoft.com/office/drawing/2010/main" xmlns="" val="0"/>
               </a:ext>
             </a:extLst>
           </a:blip>
@@ -7140,10 +6338,10 @@
           <p:nvPr/>
         </p:nvPicPr>
         <p:blipFill>
-          <a:blip r:embed="rId5">
+          <a:blip r:embed="rId6">
             <a:extLst>
               <a:ext uri="{28A0092B-C50C-407E-A947-70E740481C1C}">
-                <a14:useLocalDpi xmlns="" xmlns:a14="http://schemas.microsoft.com/office/drawing/2010/main" val="0"/>
+                <a14:useLocalDpi xmlns:a14="http://schemas.microsoft.com/office/drawing/2010/main" xmlns="" val="0"/>
               </a:ext>
             </a:extLst>
           </a:blip>
@@ -7211,10 +6409,10 @@
           <p:nvPr/>
         </p:nvPicPr>
         <p:blipFill>
-          <a:blip r:embed="rId6">
+          <a:blip r:embed="rId7">
             <a:extLst>
               <a:ext uri="{28A0092B-C50C-407E-A947-70E740481C1C}">
-                <a14:useLocalDpi xmlns="" xmlns:a14="http://schemas.microsoft.com/office/drawing/2010/main" val="0"/>
+                <a14:useLocalDpi xmlns:a14="http://schemas.microsoft.com/office/drawing/2010/main" xmlns="" val="0"/>
               </a:ext>
             </a:extLst>
           </a:blip>
@@ -7327,10 +6525,10 @@
           <p:nvPr/>
         </p:nvPicPr>
         <p:blipFill>
-          <a:blip r:embed="rId7">
+          <a:blip r:embed="rId8">
             <a:extLst>
               <a:ext uri="{28A0092B-C50C-407E-A947-70E740481C1C}">
-                <a14:useLocalDpi xmlns="" xmlns:a14="http://schemas.microsoft.com/office/drawing/2010/main" val="0"/>
+                <a14:useLocalDpi xmlns:a14="http://schemas.microsoft.com/office/drawing/2010/main" xmlns="" val="0"/>
               </a:ext>
             </a:extLst>
           </a:blip>
@@ -7419,7 +6617,7 @@
           <p:cNvPr id="5" name="Rectangle 4">
             <a:extLst>
               <a:ext uri="{FF2B5EF4-FFF2-40B4-BE49-F238E27FC236}">
-                <a16:creationId xmlns="" xmlns:a16="http://schemas.microsoft.com/office/drawing/2014/main" id="{3A5EDDC1-3050-4B01-B9FC-65721C42BB3F}"/>
+                <a16:creationId xmlns:a16="http://schemas.microsoft.com/office/drawing/2014/main" xmlns="" id="{3A5EDDC1-3050-4B01-B9FC-65721C42BB3F}"/>
               </a:ext>
             </a:extLst>
           </p:cNvPr>
@@ -7467,7 +6665,7 @@
           <p:cNvPr id="62" name="Rectangle 61">
             <a:extLst>
               <a:ext uri="{FF2B5EF4-FFF2-40B4-BE49-F238E27FC236}">
-                <a16:creationId xmlns="" xmlns:a16="http://schemas.microsoft.com/office/drawing/2014/main" id="{6C7A6A29-B07D-4A00-AA83-DAD3CA742616}"/>
+                <a16:creationId xmlns:a16="http://schemas.microsoft.com/office/drawing/2014/main" xmlns="" id="{6C7A6A29-B07D-4A00-AA83-DAD3CA742616}"/>
               </a:ext>
             </a:extLst>
           </p:cNvPr>
@@ -7517,7 +6715,7 @@
           <p:cNvPr id="9" name="Tableau 8">
             <a:extLst>
               <a:ext uri="{FF2B5EF4-FFF2-40B4-BE49-F238E27FC236}">
-                <a16:creationId xmlns="" xmlns:a16="http://schemas.microsoft.com/office/drawing/2014/main" id="{CD96F54E-CE6D-417C-A258-FE0099959B88}"/>
+                <a16:creationId xmlns:a16="http://schemas.microsoft.com/office/drawing/2014/main" xmlns="" id="{CD96F54E-CE6D-417C-A258-FE0099959B88}"/>
               </a:ext>
             </a:extLst>
           </p:cNvPr>
@@ -7527,7 +6725,7 @@
           <p:nvPr>
             <p:extLst>
               <p:ext uri="{D42A27DB-BD31-4B8C-83A1-F6EECF244321}">
-                <p14:modId xmlns="" xmlns:p14="http://schemas.microsoft.com/office/powerpoint/2010/main" val="908264848"/>
+                <p14:modId xmlns:p14="http://schemas.microsoft.com/office/powerpoint/2010/main" xmlns="" val="908264848"/>
               </p:ext>
             </p:extLst>
           </p:nvPr>
@@ -7546,14 +6744,14 @@
                 <a:gridCol w="868013">
                   <a:extLst>
                     <a:ext uri="{9D8B030D-6E8A-4147-A177-3AD203B41FA5}">
-                      <a16:colId xmlns="" xmlns:a16="http://schemas.microsoft.com/office/drawing/2014/main" val="2039745578"/>
+                      <a16:colId xmlns:a16="http://schemas.microsoft.com/office/drawing/2014/main" xmlns="" val="2039745578"/>
                     </a:ext>
                   </a:extLst>
                 </a:gridCol>
                 <a:gridCol w="3915126">
                   <a:extLst>
                     <a:ext uri="{9D8B030D-6E8A-4147-A177-3AD203B41FA5}">
-                      <a16:colId xmlns="" xmlns:a16="http://schemas.microsoft.com/office/drawing/2014/main" val="2494848202"/>
+                      <a16:colId xmlns:a16="http://schemas.microsoft.com/office/drawing/2014/main" xmlns="" val="2494848202"/>
                     </a:ext>
                   </a:extLst>
                 </a:gridCol>
@@ -7822,7 +7020,7 @@
                 </a:tc>
                 <a:extLst>
                   <a:ext uri="{0D108BD9-81ED-4DB2-BD59-A6C34878D82A}">
-                    <a16:rowId xmlns="" xmlns:a16="http://schemas.microsoft.com/office/drawing/2014/main" val="1174954696"/>
+                    <a16:rowId xmlns:a16="http://schemas.microsoft.com/office/drawing/2014/main" xmlns="" val="1174954696"/>
                   </a:ext>
                 </a:extLst>
               </a:tr>
@@ -7835,7 +7033,7 @@
           <p:cNvPr id="12" name="Tableau 11">
             <a:extLst>
               <a:ext uri="{FF2B5EF4-FFF2-40B4-BE49-F238E27FC236}">
-                <a16:creationId xmlns="" xmlns:a16="http://schemas.microsoft.com/office/drawing/2014/main" id="{30F423AD-F90D-4D1C-AD2D-92714695FA06}"/>
+                <a16:creationId xmlns:a16="http://schemas.microsoft.com/office/drawing/2014/main" xmlns="" id="{30F423AD-F90D-4D1C-AD2D-92714695FA06}"/>
               </a:ext>
             </a:extLst>
           </p:cNvPr>
@@ -7845,7 +7043,7 @@
           <p:nvPr>
             <p:extLst>
               <p:ext uri="{D42A27DB-BD31-4B8C-83A1-F6EECF244321}">
-                <p14:modId xmlns="" xmlns:p14="http://schemas.microsoft.com/office/powerpoint/2010/main" val="2477501902"/>
+                <p14:modId xmlns:p14="http://schemas.microsoft.com/office/powerpoint/2010/main" xmlns="" val="2477501902"/>
               </p:ext>
             </p:extLst>
           </p:nvPr>
@@ -7864,14 +7062,14 @@
                 <a:gridCol w="888337">
                   <a:extLst>
                     <a:ext uri="{9D8B030D-6E8A-4147-A177-3AD203B41FA5}">
-                      <a16:colId xmlns="" xmlns:a16="http://schemas.microsoft.com/office/drawing/2014/main" val="4124972041"/>
+                      <a16:colId xmlns:a16="http://schemas.microsoft.com/office/drawing/2014/main" xmlns="" val="4124972041"/>
                     </a:ext>
                   </a:extLst>
                 </a:gridCol>
                 <a:gridCol w="4006790">
                   <a:extLst>
                     <a:ext uri="{9D8B030D-6E8A-4147-A177-3AD203B41FA5}">
-                      <a16:colId xmlns="" xmlns:a16="http://schemas.microsoft.com/office/drawing/2014/main" val="2856721980"/>
+                      <a16:colId xmlns:a16="http://schemas.microsoft.com/office/drawing/2014/main" xmlns="" val="2856721980"/>
                     </a:ext>
                   </a:extLst>
                 </a:gridCol>
@@ -8091,7 +7289,7 @@
                 </a:tc>
                 <a:extLst>
                   <a:ext uri="{0D108BD9-81ED-4DB2-BD59-A6C34878D82A}">
-                    <a16:rowId xmlns="" xmlns:a16="http://schemas.microsoft.com/office/drawing/2014/main" val="2264636388"/>
+                    <a16:rowId xmlns:a16="http://schemas.microsoft.com/office/drawing/2014/main" xmlns="" val="2264636388"/>
                   </a:ext>
                 </a:extLst>
               </a:tr>
@@ -8099,1121 +7297,12 @@
           </a:graphicData>
         </a:graphic>
       </p:graphicFrame>
-      <p:graphicFrame>
-        <p:nvGraphicFramePr>
-          <p:cNvPr id="15" name="Tableau 14">
-            <a:extLst>
-              <a:ext uri="{FF2B5EF4-FFF2-40B4-BE49-F238E27FC236}">
-                <a16:creationId xmlns="" xmlns:a16="http://schemas.microsoft.com/office/drawing/2014/main" id="{2B7CCBB4-DABB-461E-A25C-210EDEE62AEE}"/>
-              </a:ext>
-            </a:extLst>
-          </p:cNvPr>
-          <p:cNvGraphicFramePr>
-            <a:graphicFrameLocks noGrp="1"/>
-          </p:cNvGraphicFramePr>
-          <p:nvPr>
-            <p:extLst>
-              <p:ext uri="{D42A27DB-BD31-4B8C-83A1-F6EECF244321}">
-                <p14:modId xmlns="" xmlns:p14="http://schemas.microsoft.com/office/powerpoint/2010/main" val="3360460294"/>
-              </p:ext>
-            </p:extLst>
-          </p:nvPr>
-        </p:nvGraphicFramePr>
-        <p:xfrm>
-          <a:off x="733121" y="6917745"/>
-          <a:ext cx="4553076" cy="932042"/>
-        </p:xfrm>
-        <a:graphic>
-          <a:graphicData uri="http://schemas.openxmlformats.org/drawingml/2006/table">
-            <a:tbl>
-              <a:tblPr firstRow="1" bandRow="1">
-                <a:tableStyleId>{5940675A-B579-460E-94D1-54222C63F5DA}</a:tableStyleId>
-              </a:tblPr>
-              <a:tblGrid>
-                <a:gridCol w="826264">
-                  <a:extLst>
-                    <a:ext uri="{9D8B030D-6E8A-4147-A177-3AD203B41FA5}">
-                      <a16:colId xmlns="" xmlns:a16="http://schemas.microsoft.com/office/drawing/2014/main" val="3736579992"/>
-                    </a:ext>
-                  </a:extLst>
-                </a:gridCol>
-                <a:gridCol w="3726812">
-                  <a:extLst>
-                    <a:ext uri="{9D8B030D-6E8A-4147-A177-3AD203B41FA5}">
-                      <a16:colId xmlns="" xmlns:a16="http://schemas.microsoft.com/office/drawing/2014/main" val="1257239418"/>
-                    </a:ext>
-                  </a:extLst>
-                </a:gridCol>
-              </a:tblGrid>
-              <a:tr h="895218">
-                <a:tc>
-                  <a:txBody>
-                    <a:bodyPr/>
-                    <a:lstStyle/>
-                    <a:p>
-                      <a:pPr marL="7938" marR="0" indent="0" algn="just" defTabSz="457200" rtl="0" eaLnBrk="1" fontAlgn="auto" latinLnBrk="0" hangingPunct="1">
-                        <a:lnSpc>
-                          <a:spcPct val="100000"/>
-                        </a:lnSpc>
-                        <a:spcBef>
-                          <a:spcPts val="0"/>
-                        </a:spcBef>
-                        <a:spcAft>
-                          <a:spcPts val="0"/>
-                        </a:spcAft>
-                        <a:buClrTx/>
-                        <a:buSzTx/>
-                        <a:buFontTx/>
-                        <a:buNone/>
-                        <a:tabLst/>
-                        <a:defRPr/>
-                      </a:pPr>
-                      <a:r>
-                        <a:rPr lang="fr-FR" sz="1100" b="1" i="0" dirty="0" smtClean="0">
-                          <a:solidFill>
-                            <a:srgbClr val="58585A"/>
-                          </a:solidFill>
-                          <a:latin typeface="+mn-lt"/>
-                          <a:ea typeface="Times New Roman" charset="0"/>
-                          <a:cs typeface="Times New Roman" charset="0"/>
-                        </a:rPr>
-                        <a:t>2016</a:t>
-                      </a:r>
-                      <a:endParaRPr lang="fr-FR" sz="1100" b="1" i="0" dirty="0">
-                        <a:solidFill>
-                          <a:srgbClr val="58585A"/>
-                        </a:solidFill>
-                        <a:latin typeface="+mn-lt"/>
-                        <a:ea typeface="Times New Roman" charset="0"/>
-                        <a:cs typeface="Times New Roman" charset="0"/>
-                      </a:endParaRPr>
-                    </a:p>
-                  </a:txBody>
-                  <a:tcPr marL="86222" marR="86222" marT="43111" marB="43111">
-                    <a:lnL w="3175" cap="flat" cmpd="sng" algn="ctr">
-                      <a:noFill/>
-                      <a:prstDash val="solid"/>
-                      <a:round/>
-                      <a:headEnd type="none" w="med" len="med"/>
-                      <a:tailEnd type="none" w="med" len="med"/>
-                    </a:lnL>
-                    <a:lnR w="12700" cmpd="sng">
-                      <a:noFill/>
-                    </a:lnR>
-                    <a:lnT w="12700" cmpd="sng">
-                      <a:noFill/>
-                    </a:lnT>
-                    <a:lnB w="9525" cap="flat" cmpd="sng" algn="ctr">
-                      <a:noFill/>
-                      <a:prstDash val="solid"/>
-                      <a:round/>
-                      <a:headEnd type="none" w="med" len="med"/>
-                      <a:tailEnd type="none" w="med" len="med"/>
-                    </a:lnB>
-                    <a:lnTlToBr w="12700" cmpd="sng">
-                      <a:noFill/>
-                      <a:prstDash val="solid"/>
-                    </a:lnTlToBr>
-                    <a:lnBlToTr w="12700" cmpd="sng">
-                      <a:noFill/>
-                      <a:prstDash val="solid"/>
-                    </a:lnBlToTr>
-                  </a:tcPr>
-                </a:tc>
-                <a:tc>
-                  <a:txBody>
-                    <a:bodyPr/>
-                    <a:lstStyle/>
-                    <a:p>
-                      <a:pPr marL="0" marR="0" lvl="0" indent="0" algn="just" defTabSz="457200" rtl="0" eaLnBrk="1" fontAlgn="auto" latinLnBrk="0" hangingPunct="1">
-                        <a:lnSpc>
-                          <a:spcPct val="100000"/>
-                        </a:lnSpc>
-                        <a:spcBef>
-                          <a:spcPts val="0"/>
-                        </a:spcBef>
-                        <a:spcAft>
-                          <a:spcPts val="0"/>
-                        </a:spcAft>
-                        <a:buClr>
-                          <a:srgbClr val="00B050"/>
-                        </a:buClr>
-                        <a:buSzPct val="100000"/>
-                        <a:buFont typeface="Courier New" charset="0"/>
-                        <a:buNone/>
-                        <a:tabLst/>
-                        <a:defRPr/>
-                      </a:pPr>
-                      <a:r>
-                        <a:rPr kumimoji="0" lang="fr-FR" sz="1200" b="1" i="0" u="none" strike="noStrike" kern="1200" cap="none" spc="0" normalizeH="0" baseline="0" noProof="0" dirty="0" err="1">
-                          <a:ln>
-                            <a:noFill/>
-                          </a:ln>
-                          <a:solidFill>
-                            <a:prstClr val="black"/>
-                          </a:solidFill>
-                          <a:effectLst/>
-                          <a:uLnTx/>
-                          <a:uFillTx/>
-                          <a:latin typeface="+mn-lt"/>
-                          <a:ea typeface="Times New Roman" charset="0"/>
-                          <a:cs typeface="Times New Roman" charset="0"/>
-                        </a:rPr>
-                        <a:t>Lorem</a:t>
-                      </a:r>
-                      <a:r>
-                        <a:rPr kumimoji="0" lang="fr-FR" sz="1200" b="1" i="0" u="none" strike="noStrike" kern="1200" cap="none" spc="0" normalizeH="0" baseline="0" noProof="0" dirty="0">
-                          <a:ln>
-                            <a:noFill/>
-                          </a:ln>
-                          <a:solidFill>
-                            <a:prstClr val="black"/>
-                          </a:solidFill>
-                          <a:effectLst/>
-                          <a:uLnTx/>
-                          <a:uFillTx/>
-                          <a:latin typeface="+mn-lt"/>
-                          <a:ea typeface="Times New Roman" charset="0"/>
-                          <a:cs typeface="Times New Roman" charset="0"/>
-                        </a:rPr>
-                        <a:t> </a:t>
-                      </a:r>
-                      <a:r>
-                        <a:rPr kumimoji="0" lang="fr-FR" sz="1200" b="1" i="0" u="none" strike="noStrike" kern="1200" cap="none" spc="0" normalizeH="0" baseline="0" noProof="0" dirty="0" err="1">
-                          <a:ln>
-                            <a:noFill/>
-                          </a:ln>
-                          <a:solidFill>
-                            <a:prstClr val="black"/>
-                          </a:solidFill>
-                          <a:effectLst/>
-                          <a:uLnTx/>
-                          <a:uFillTx/>
-                          <a:latin typeface="+mn-lt"/>
-                          <a:ea typeface="Times New Roman" charset="0"/>
-                          <a:cs typeface="Times New Roman" charset="0"/>
-                        </a:rPr>
-                        <a:t>Ipsum</a:t>
-                      </a:r>
-                      <a:r>
-                        <a:rPr kumimoji="0" lang="fr-FR" sz="1200" b="1" i="0" u="none" strike="noStrike" kern="1200" cap="none" spc="0" normalizeH="0" baseline="0" noProof="0" dirty="0">
-                          <a:ln>
-                            <a:noFill/>
-                          </a:ln>
-                          <a:solidFill>
-                            <a:prstClr val="black"/>
-                          </a:solidFill>
-                          <a:effectLst/>
-                          <a:uLnTx/>
-                          <a:uFillTx/>
-                          <a:latin typeface="+mn-lt"/>
-                          <a:ea typeface="Times New Roman" charset="0"/>
-                          <a:cs typeface="Times New Roman" charset="0"/>
-                        </a:rPr>
-                        <a:t> </a:t>
-                      </a:r>
-                    </a:p>
-                    <a:p>
-                      <a:pPr marL="0" marR="0" lvl="0" indent="0" algn="just" defTabSz="457200" rtl="0" eaLnBrk="1" fontAlgn="auto" latinLnBrk="0" hangingPunct="1">
-                        <a:lnSpc>
-                          <a:spcPct val="100000"/>
-                        </a:lnSpc>
-                        <a:spcBef>
-                          <a:spcPts val="0"/>
-                        </a:spcBef>
-                        <a:spcAft>
-                          <a:spcPts val="0"/>
-                        </a:spcAft>
-                        <a:buClr>
-                          <a:srgbClr val="00B050"/>
-                        </a:buClr>
-                        <a:buSzPct val="100000"/>
-                        <a:buFont typeface="Courier New" charset="0"/>
-                        <a:buNone/>
-                        <a:tabLst/>
-                        <a:defRPr/>
-                      </a:pPr>
-                      <a:r>
-                        <a:rPr kumimoji="0" lang="fr-FR" sz="1200" b="1" i="0" u="none" strike="noStrike" kern="1200" cap="none" spc="0" normalizeH="0" baseline="0" noProof="0" dirty="0" err="1">
-                          <a:ln>
-                            <a:noFill/>
-                          </a:ln>
-                          <a:solidFill>
-                            <a:prstClr val="black"/>
-                          </a:solidFill>
-                          <a:effectLst/>
-                          <a:uLnTx/>
-                          <a:uFillTx/>
-                          <a:latin typeface="+mn-lt"/>
-                          <a:ea typeface="Times New Roman" charset="0"/>
-                          <a:cs typeface="Times New Roman" charset="0"/>
-                        </a:rPr>
-                        <a:t>Lorem</a:t>
-                      </a:r>
-                      <a:endParaRPr kumimoji="0" lang="fr-FR" sz="1200" b="1" i="0" u="none" strike="noStrike" kern="1200" cap="none" spc="0" normalizeH="0" baseline="0" noProof="0" dirty="0">
-                        <a:ln>
-                          <a:noFill/>
-                        </a:ln>
-                        <a:solidFill>
-                          <a:prstClr val="black"/>
-                        </a:solidFill>
-                        <a:effectLst/>
-                        <a:uLnTx/>
-                        <a:uFillTx/>
-                        <a:latin typeface="+mn-lt"/>
-                        <a:ea typeface="Times New Roman" charset="0"/>
-                        <a:cs typeface="Times New Roman" charset="0"/>
-                      </a:endParaRPr>
-                    </a:p>
-                    <a:p>
-                      <a:pPr marL="0" marR="0" lvl="0" indent="0" algn="just" defTabSz="457200" rtl="0" eaLnBrk="1" fontAlgn="auto" latinLnBrk="0" hangingPunct="1">
-                        <a:lnSpc>
-                          <a:spcPct val="100000"/>
-                        </a:lnSpc>
-                        <a:spcBef>
-                          <a:spcPts val="0"/>
-                        </a:spcBef>
-                        <a:spcAft>
-                          <a:spcPts val="0"/>
-                        </a:spcAft>
-                        <a:buClrTx/>
-                        <a:buSzTx/>
-                        <a:buFontTx/>
-                        <a:buNone/>
-                        <a:tabLst/>
-                        <a:defRPr/>
-                      </a:pPr>
-                      <a:r>
-                        <a:rPr kumimoji="0" lang="fr-FR" sz="1050" b="0" i="0" u="none" strike="noStrike" kern="1200" cap="none" spc="0" normalizeH="0" baseline="0" noProof="0" dirty="0" err="1">
-                          <a:ln>
-                            <a:noFill/>
-                          </a:ln>
-                          <a:solidFill>
-                            <a:srgbClr val="7F7F7F"/>
-                          </a:solidFill>
-                          <a:effectLst/>
-                          <a:uLnTx/>
-                          <a:uFillTx/>
-                          <a:latin typeface="+mn-lt"/>
-                          <a:ea typeface="Times New Roman" charset="0"/>
-                          <a:cs typeface="Times New Roman" charset="0"/>
-                        </a:rPr>
-                        <a:t>Lorem</a:t>
-                      </a:r>
-                      <a:r>
-                        <a:rPr kumimoji="0" lang="fr-FR" sz="1050" b="0" i="0" u="none" strike="noStrike" kern="1200" cap="none" spc="0" normalizeH="0" baseline="0" noProof="0" dirty="0">
-                          <a:ln>
-                            <a:noFill/>
-                          </a:ln>
-                          <a:solidFill>
-                            <a:srgbClr val="7F7F7F"/>
-                          </a:solidFill>
-                          <a:effectLst/>
-                          <a:uLnTx/>
-                          <a:uFillTx/>
-                          <a:latin typeface="+mn-lt"/>
-                          <a:ea typeface="Times New Roman" charset="0"/>
-                          <a:cs typeface="Times New Roman" charset="0"/>
-                        </a:rPr>
-                        <a:t> </a:t>
-                      </a:r>
-                      <a:r>
-                        <a:rPr kumimoji="0" lang="fr-FR" sz="1050" b="0" i="0" u="none" strike="noStrike" kern="1200" cap="none" spc="0" normalizeH="0" baseline="0" noProof="0" dirty="0" err="1">
-                          <a:ln>
-                            <a:noFill/>
-                          </a:ln>
-                          <a:solidFill>
-                            <a:srgbClr val="7F7F7F"/>
-                          </a:solidFill>
-                          <a:effectLst/>
-                          <a:uLnTx/>
-                          <a:uFillTx/>
-                          <a:latin typeface="+mn-lt"/>
-                          <a:ea typeface="Times New Roman" charset="0"/>
-                          <a:cs typeface="Times New Roman" charset="0"/>
-                        </a:rPr>
-                        <a:t>ipsum</a:t>
-                      </a:r>
-                      <a:r>
-                        <a:rPr kumimoji="0" lang="fr-FR" sz="1050" b="0" i="0" u="none" strike="noStrike" kern="1200" cap="none" spc="0" normalizeH="0" baseline="0" noProof="0" dirty="0">
-                          <a:ln>
-                            <a:noFill/>
-                          </a:ln>
-                          <a:solidFill>
-                            <a:srgbClr val="7F7F7F"/>
-                          </a:solidFill>
-                          <a:effectLst/>
-                          <a:uLnTx/>
-                          <a:uFillTx/>
-                          <a:latin typeface="+mn-lt"/>
-                          <a:ea typeface="Times New Roman" charset="0"/>
-                          <a:cs typeface="Times New Roman" charset="0"/>
-                        </a:rPr>
-                        <a:t> </a:t>
-                      </a:r>
-                      <a:r>
-                        <a:rPr kumimoji="0" lang="fr-FR" sz="1050" b="0" i="0" u="none" strike="noStrike" kern="1200" cap="none" spc="0" normalizeH="0" baseline="0" noProof="0" dirty="0" err="1">
-                          <a:ln>
-                            <a:noFill/>
-                          </a:ln>
-                          <a:solidFill>
-                            <a:srgbClr val="7F7F7F"/>
-                          </a:solidFill>
-                          <a:effectLst/>
-                          <a:uLnTx/>
-                          <a:uFillTx/>
-                          <a:latin typeface="+mn-lt"/>
-                          <a:ea typeface="Times New Roman" charset="0"/>
-                          <a:cs typeface="Times New Roman" charset="0"/>
-                        </a:rPr>
-                        <a:t>dolor</a:t>
-                      </a:r>
-                      <a:r>
-                        <a:rPr kumimoji="0" lang="fr-FR" sz="1050" b="0" i="0" u="none" strike="noStrike" kern="1200" cap="none" spc="0" normalizeH="0" baseline="0" noProof="0" dirty="0">
-                          <a:ln>
-                            <a:noFill/>
-                          </a:ln>
-                          <a:solidFill>
-                            <a:srgbClr val="7F7F7F"/>
-                          </a:solidFill>
-                          <a:effectLst/>
-                          <a:uLnTx/>
-                          <a:uFillTx/>
-                          <a:latin typeface="+mn-lt"/>
-                          <a:ea typeface="Times New Roman" charset="0"/>
-                          <a:cs typeface="Times New Roman" charset="0"/>
-                        </a:rPr>
-                        <a:t> </a:t>
-                      </a:r>
-                      <a:r>
-                        <a:rPr kumimoji="0" lang="fr-FR" sz="1050" b="0" i="0" u="none" strike="noStrike" kern="1200" cap="none" spc="0" normalizeH="0" baseline="0" noProof="0" dirty="0" err="1">
-                          <a:ln>
-                            <a:noFill/>
-                          </a:ln>
-                          <a:solidFill>
-                            <a:srgbClr val="7F7F7F"/>
-                          </a:solidFill>
-                          <a:effectLst/>
-                          <a:uLnTx/>
-                          <a:uFillTx/>
-                          <a:latin typeface="+mn-lt"/>
-                          <a:ea typeface="Times New Roman" charset="0"/>
-                          <a:cs typeface="Times New Roman" charset="0"/>
-                        </a:rPr>
-                        <a:t>sit</a:t>
-                      </a:r>
-                      <a:r>
-                        <a:rPr kumimoji="0" lang="fr-FR" sz="1050" b="0" i="0" u="none" strike="noStrike" kern="1200" cap="none" spc="0" normalizeH="0" baseline="0" noProof="0" dirty="0">
-                          <a:ln>
-                            <a:noFill/>
-                          </a:ln>
-                          <a:solidFill>
-                            <a:srgbClr val="7F7F7F"/>
-                          </a:solidFill>
-                          <a:effectLst/>
-                          <a:uLnTx/>
-                          <a:uFillTx/>
-                          <a:latin typeface="+mn-lt"/>
-                          <a:ea typeface="Times New Roman" charset="0"/>
-                          <a:cs typeface="Times New Roman" charset="0"/>
-                        </a:rPr>
-                        <a:t> </a:t>
-                      </a:r>
-                      <a:r>
-                        <a:rPr kumimoji="0" lang="fr-FR" sz="1050" b="0" i="0" u="none" strike="noStrike" kern="1200" cap="none" spc="0" normalizeH="0" baseline="0" noProof="0" dirty="0" err="1">
-                          <a:ln>
-                            <a:noFill/>
-                          </a:ln>
-                          <a:solidFill>
-                            <a:srgbClr val="7F7F7F"/>
-                          </a:solidFill>
-                          <a:effectLst/>
-                          <a:uLnTx/>
-                          <a:uFillTx/>
-                          <a:latin typeface="+mn-lt"/>
-                          <a:ea typeface="Times New Roman" charset="0"/>
-                          <a:cs typeface="Times New Roman" charset="0"/>
-                        </a:rPr>
-                        <a:t>amet</a:t>
-                      </a:r>
-                      <a:r>
-                        <a:rPr kumimoji="0" lang="fr-FR" sz="1050" b="0" i="0" u="none" strike="noStrike" kern="1200" cap="none" spc="0" normalizeH="0" baseline="0" noProof="0" dirty="0">
-                          <a:ln>
-                            <a:noFill/>
-                          </a:ln>
-                          <a:solidFill>
-                            <a:srgbClr val="7F7F7F"/>
-                          </a:solidFill>
-                          <a:effectLst/>
-                          <a:uLnTx/>
-                          <a:uFillTx/>
-                          <a:latin typeface="+mn-lt"/>
-                          <a:ea typeface="Times New Roman" charset="0"/>
-                          <a:cs typeface="Times New Roman" charset="0"/>
-                        </a:rPr>
-                        <a:t>, </a:t>
-                      </a:r>
-                      <a:r>
-                        <a:rPr kumimoji="0" lang="fr-FR" sz="1050" b="0" i="0" u="none" strike="noStrike" kern="1200" cap="none" spc="0" normalizeH="0" baseline="0" noProof="0" dirty="0" err="1">
-                          <a:ln>
-                            <a:noFill/>
-                          </a:ln>
-                          <a:solidFill>
-                            <a:srgbClr val="7F7F7F"/>
-                          </a:solidFill>
-                          <a:effectLst/>
-                          <a:uLnTx/>
-                          <a:uFillTx/>
-                          <a:latin typeface="+mn-lt"/>
-                          <a:ea typeface="Times New Roman" charset="0"/>
-                          <a:cs typeface="Times New Roman" charset="0"/>
-                        </a:rPr>
-                        <a:t>consectetur</a:t>
-                      </a:r>
-                      <a:r>
-                        <a:rPr kumimoji="0" lang="fr-FR" sz="1050" b="0" i="0" u="none" strike="noStrike" kern="1200" cap="none" spc="0" normalizeH="0" baseline="0" noProof="0" dirty="0">
-                          <a:ln>
-                            <a:noFill/>
-                          </a:ln>
-                          <a:solidFill>
-                            <a:srgbClr val="7F7F7F"/>
-                          </a:solidFill>
-                          <a:effectLst/>
-                          <a:uLnTx/>
-                          <a:uFillTx/>
-                          <a:latin typeface="+mn-lt"/>
-                          <a:ea typeface="Times New Roman" charset="0"/>
-                          <a:cs typeface="Times New Roman" charset="0"/>
-                        </a:rPr>
-                        <a:t> </a:t>
-                      </a:r>
-                      <a:r>
-                        <a:rPr kumimoji="0" lang="fr-FR" sz="1050" b="0" i="0" u="none" strike="noStrike" kern="1200" cap="none" spc="0" normalizeH="0" baseline="0" noProof="0" dirty="0" err="1">
-                          <a:ln>
-                            <a:noFill/>
-                          </a:ln>
-                          <a:solidFill>
-                            <a:srgbClr val="7F7F7F"/>
-                          </a:solidFill>
-                          <a:effectLst/>
-                          <a:uLnTx/>
-                          <a:uFillTx/>
-                          <a:latin typeface="+mn-lt"/>
-                          <a:ea typeface="Times New Roman" charset="0"/>
-                          <a:cs typeface="Times New Roman" charset="0"/>
-                        </a:rPr>
-                        <a:t>adipiscing</a:t>
-                      </a:r>
-                      <a:r>
-                        <a:rPr kumimoji="0" lang="fr-FR" sz="1050" b="0" i="0" u="none" strike="noStrike" kern="1200" cap="none" spc="0" normalizeH="0" baseline="0" noProof="0" dirty="0">
-                          <a:ln>
-                            <a:noFill/>
-                          </a:ln>
-                          <a:solidFill>
-                            <a:srgbClr val="7F7F7F"/>
-                          </a:solidFill>
-                          <a:effectLst/>
-                          <a:uLnTx/>
-                          <a:uFillTx/>
-                          <a:latin typeface="+mn-lt"/>
-                          <a:ea typeface="Times New Roman" charset="0"/>
-                          <a:cs typeface="Times New Roman" charset="0"/>
-                        </a:rPr>
-                        <a:t> </a:t>
-                      </a:r>
-                      <a:r>
-                        <a:rPr kumimoji="0" lang="fr-FR" sz="1050" b="0" i="0" u="none" strike="noStrike" kern="1200" cap="none" spc="0" normalizeH="0" baseline="0" noProof="0" dirty="0" err="1">
-                          <a:ln>
-                            <a:noFill/>
-                          </a:ln>
-                          <a:solidFill>
-                            <a:srgbClr val="7F7F7F"/>
-                          </a:solidFill>
-                          <a:effectLst/>
-                          <a:uLnTx/>
-                          <a:uFillTx/>
-                          <a:latin typeface="+mn-lt"/>
-                          <a:ea typeface="Times New Roman" charset="0"/>
-                          <a:cs typeface="Times New Roman" charset="0"/>
-                        </a:rPr>
-                        <a:t>elit</a:t>
-                      </a:r>
-                      <a:r>
-                        <a:rPr kumimoji="0" lang="fr-FR" sz="1050" b="0" i="0" u="none" strike="noStrike" kern="1200" cap="none" spc="0" normalizeH="0" baseline="0" noProof="0" dirty="0">
-                          <a:ln>
-                            <a:noFill/>
-                          </a:ln>
-                          <a:solidFill>
-                            <a:srgbClr val="7F7F7F"/>
-                          </a:solidFill>
-                          <a:effectLst/>
-                          <a:uLnTx/>
-                          <a:uFillTx/>
-                          <a:latin typeface="+mn-lt"/>
-                          <a:ea typeface="Times New Roman" charset="0"/>
-                          <a:cs typeface="Times New Roman" charset="0"/>
-                        </a:rPr>
-                        <a:t>, </a:t>
-                      </a:r>
-                      <a:r>
-                        <a:rPr kumimoji="0" lang="fr-FR" sz="1050" b="0" i="0" u="none" strike="noStrike" kern="1200" cap="none" spc="0" normalizeH="0" baseline="0" noProof="0" dirty="0" err="1">
-                          <a:ln>
-                            <a:noFill/>
-                          </a:ln>
-                          <a:solidFill>
-                            <a:srgbClr val="7F7F7F"/>
-                          </a:solidFill>
-                          <a:effectLst/>
-                          <a:uLnTx/>
-                          <a:uFillTx/>
-                          <a:latin typeface="+mn-lt"/>
-                          <a:ea typeface="Times New Roman" charset="0"/>
-                          <a:cs typeface="Times New Roman" charset="0"/>
-                        </a:rPr>
-                        <a:t>sed</a:t>
-                      </a:r>
-                      <a:r>
-                        <a:rPr kumimoji="0" lang="fr-FR" sz="1050" b="0" i="0" u="none" strike="noStrike" kern="1200" cap="none" spc="0" normalizeH="0" baseline="0" noProof="0" dirty="0">
-                          <a:ln>
-                            <a:noFill/>
-                          </a:ln>
-                          <a:solidFill>
-                            <a:srgbClr val="7F7F7F"/>
-                          </a:solidFill>
-                          <a:effectLst/>
-                          <a:uLnTx/>
-                          <a:uFillTx/>
-                          <a:latin typeface="+mn-lt"/>
-                          <a:ea typeface="Times New Roman" charset="0"/>
-                          <a:cs typeface="Times New Roman" charset="0"/>
-                        </a:rPr>
-                        <a:t> do </a:t>
-                      </a:r>
-                      <a:r>
-                        <a:rPr kumimoji="0" lang="fr-FR" sz="1050" b="0" i="0" u="none" strike="noStrike" kern="1200" cap="none" spc="0" normalizeH="0" baseline="0" noProof="0" dirty="0" err="1">
-                          <a:ln>
-                            <a:noFill/>
-                          </a:ln>
-                          <a:solidFill>
-                            <a:srgbClr val="7F7F7F"/>
-                          </a:solidFill>
-                          <a:effectLst/>
-                          <a:uLnTx/>
-                          <a:uFillTx/>
-                          <a:latin typeface="+mn-lt"/>
-                          <a:ea typeface="Times New Roman" charset="0"/>
-                          <a:cs typeface="Times New Roman" charset="0"/>
-                        </a:rPr>
-                        <a:t>eiusmod</a:t>
-                      </a:r>
-                      <a:r>
-                        <a:rPr kumimoji="0" lang="fr-FR" sz="1050" b="0" i="0" u="none" strike="noStrike" kern="1200" cap="none" spc="0" normalizeH="0" baseline="0" noProof="0" dirty="0">
-                          <a:ln>
-                            <a:noFill/>
-                          </a:ln>
-                          <a:solidFill>
-                            <a:srgbClr val="7F7F7F"/>
-                          </a:solidFill>
-                          <a:effectLst/>
-                          <a:uLnTx/>
-                          <a:uFillTx/>
-                          <a:latin typeface="+mn-lt"/>
-                          <a:ea typeface="Times New Roman" charset="0"/>
-                          <a:cs typeface="Times New Roman" charset="0"/>
-                        </a:rPr>
-                        <a:t>. Ut </a:t>
-                      </a:r>
-                      <a:r>
-                        <a:rPr kumimoji="0" lang="fr-FR" sz="1050" b="0" i="0" u="none" strike="noStrike" kern="1200" cap="none" spc="0" normalizeH="0" baseline="0" noProof="0" dirty="0" err="1">
-                          <a:ln>
-                            <a:noFill/>
-                          </a:ln>
-                          <a:solidFill>
-                            <a:srgbClr val="7F7F7F"/>
-                          </a:solidFill>
-                          <a:effectLst/>
-                          <a:uLnTx/>
-                          <a:uFillTx/>
-                          <a:latin typeface="+mn-lt"/>
-                          <a:ea typeface="Times New Roman" charset="0"/>
-                          <a:cs typeface="Times New Roman" charset="0"/>
-                        </a:rPr>
-                        <a:t>enim</a:t>
-                      </a:r>
-                      <a:r>
-                        <a:rPr kumimoji="0" lang="fr-FR" sz="1050" b="0" i="0" u="none" strike="noStrike" kern="1200" cap="none" spc="0" normalizeH="0" baseline="0" noProof="0" dirty="0">
-                          <a:ln>
-                            <a:noFill/>
-                          </a:ln>
-                          <a:solidFill>
-                            <a:srgbClr val="7F7F7F"/>
-                          </a:solidFill>
-                          <a:effectLst/>
-                          <a:uLnTx/>
-                          <a:uFillTx/>
-                          <a:latin typeface="+mn-lt"/>
-                          <a:ea typeface="Times New Roman" charset="0"/>
-                          <a:cs typeface="Times New Roman" charset="0"/>
-                        </a:rPr>
-                        <a:t> ad </a:t>
-                      </a:r>
-                      <a:r>
-                        <a:rPr kumimoji="0" lang="fr-FR" sz="1050" b="0" i="0" u="none" strike="noStrike" kern="1200" cap="none" spc="0" normalizeH="0" baseline="0" noProof="0" dirty="0" err="1">
-                          <a:ln>
-                            <a:noFill/>
-                          </a:ln>
-                          <a:solidFill>
-                            <a:srgbClr val="7F7F7F"/>
-                          </a:solidFill>
-                          <a:effectLst/>
-                          <a:uLnTx/>
-                          <a:uFillTx/>
-                          <a:latin typeface="+mn-lt"/>
-                          <a:ea typeface="Times New Roman" charset="0"/>
-                          <a:cs typeface="Times New Roman" charset="0"/>
-                        </a:rPr>
-                        <a:t>minim</a:t>
-                      </a:r>
-                      <a:r>
-                        <a:rPr kumimoji="0" lang="fr-FR" sz="1050" b="0" i="0" u="none" strike="noStrike" kern="1200" cap="none" spc="0" normalizeH="0" baseline="0" noProof="0" dirty="0">
-                          <a:ln>
-                            <a:noFill/>
-                          </a:ln>
-                          <a:solidFill>
-                            <a:srgbClr val="7F7F7F"/>
-                          </a:solidFill>
-                          <a:effectLst/>
-                          <a:uLnTx/>
-                          <a:uFillTx/>
-                          <a:latin typeface="+mn-lt"/>
-                          <a:ea typeface="Times New Roman" charset="0"/>
-                          <a:cs typeface="Times New Roman" charset="0"/>
-                        </a:rPr>
-                        <a:t> </a:t>
-                      </a:r>
-                      <a:r>
-                        <a:rPr kumimoji="0" lang="fr-FR" sz="1050" b="0" i="0" u="none" strike="noStrike" kern="1200" cap="none" spc="0" normalizeH="0" baseline="0" noProof="0" dirty="0" err="1">
-                          <a:ln>
-                            <a:noFill/>
-                          </a:ln>
-                          <a:solidFill>
-                            <a:srgbClr val="7F7F7F"/>
-                          </a:solidFill>
-                          <a:effectLst/>
-                          <a:uLnTx/>
-                          <a:uFillTx/>
-                          <a:latin typeface="+mn-lt"/>
-                          <a:ea typeface="Times New Roman" charset="0"/>
-                          <a:cs typeface="Times New Roman" charset="0"/>
-                        </a:rPr>
-                        <a:t>veniam</a:t>
-                      </a:r>
-                      <a:r>
-                        <a:rPr kumimoji="0" lang="fr-FR" sz="1050" b="0" i="0" u="none" strike="noStrike" kern="1200" cap="none" spc="0" normalizeH="0" baseline="0" noProof="0" dirty="0">
-                          <a:ln>
-                            <a:noFill/>
-                          </a:ln>
-                          <a:solidFill>
-                            <a:srgbClr val="7F7F7F"/>
-                          </a:solidFill>
-                          <a:effectLst/>
-                          <a:uLnTx/>
-                          <a:uFillTx/>
-                          <a:latin typeface="+mn-lt"/>
-                          <a:ea typeface="Times New Roman" charset="0"/>
-                          <a:cs typeface="Times New Roman" charset="0"/>
-                        </a:rPr>
-                        <a:t>, </a:t>
-                      </a:r>
-                      <a:r>
-                        <a:rPr kumimoji="0" lang="fr-FR" sz="1050" b="0" i="0" u="none" strike="noStrike" kern="1200" cap="none" spc="0" normalizeH="0" baseline="0" noProof="0" dirty="0" err="1">
-                          <a:ln>
-                            <a:noFill/>
-                          </a:ln>
-                          <a:solidFill>
-                            <a:srgbClr val="7F7F7F"/>
-                          </a:solidFill>
-                          <a:effectLst/>
-                          <a:uLnTx/>
-                          <a:uFillTx/>
-                          <a:latin typeface="+mn-lt"/>
-                          <a:ea typeface="Times New Roman" charset="0"/>
-                          <a:cs typeface="Times New Roman" charset="0"/>
-                        </a:rPr>
-                        <a:t>quis</a:t>
-                      </a:r>
-                      <a:r>
-                        <a:rPr kumimoji="0" lang="fr-FR" sz="1050" b="0" i="0" u="none" strike="noStrike" kern="1200" cap="none" spc="0" normalizeH="0" baseline="0" noProof="0" dirty="0">
-                          <a:ln>
-                            <a:noFill/>
-                          </a:ln>
-                          <a:solidFill>
-                            <a:srgbClr val="7F7F7F"/>
-                          </a:solidFill>
-                          <a:effectLst/>
-                          <a:uLnTx/>
-                          <a:uFillTx/>
-                          <a:latin typeface="+mn-lt"/>
-                          <a:ea typeface="Times New Roman" charset="0"/>
-                          <a:cs typeface="Times New Roman" charset="0"/>
-                        </a:rPr>
-                        <a:t> </a:t>
-                      </a:r>
-                      <a:r>
-                        <a:rPr kumimoji="0" lang="fr-FR" sz="1050" b="0" i="0" u="none" strike="noStrike" kern="1200" cap="none" spc="0" normalizeH="0" baseline="0" noProof="0" dirty="0" err="1">
-                          <a:ln>
-                            <a:noFill/>
-                          </a:ln>
-                          <a:solidFill>
-                            <a:srgbClr val="7F7F7F"/>
-                          </a:solidFill>
-                          <a:effectLst/>
-                          <a:uLnTx/>
-                          <a:uFillTx/>
-                          <a:latin typeface="+mn-lt"/>
-                          <a:ea typeface="Times New Roman" charset="0"/>
-                          <a:cs typeface="Times New Roman" charset="0"/>
-                        </a:rPr>
-                        <a:t>nostrud</a:t>
-                      </a:r>
-                      <a:r>
-                        <a:rPr kumimoji="0" lang="fr-FR" sz="1050" b="0" i="0" u="none" strike="noStrike" kern="1200" cap="none" spc="0" normalizeH="0" baseline="0" noProof="0" dirty="0">
-                          <a:ln>
-                            <a:noFill/>
-                          </a:ln>
-                          <a:solidFill>
-                            <a:srgbClr val="7F7F7F"/>
-                          </a:solidFill>
-                          <a:effectLst/>
-                          <a:uLnTx/>
-                          <a:uFillTx/>
-                          <a:latin typeface="+mn-lt"/>
-                          <a:ea typeface="Times New Roman" charset="0"/>
-                          <a:cs typeface="Times New Roman" charset="0"/>
-                        </a:rPr>
-                        <a:t> </a:t>
-                      </a:r>
-                      <a:r>
-                        <a:rPr kumimoji="0" lang="fr-FR" sz="1050" b="0" i="0" u="none" strike="noStrike" kern="1200" cap="none" spc="0" normalizeH="0" baseline="0" noProof="0" dirty="0" err="1">
-                          <a:ln>
-                            <a:noFill/>
-                          </a:ln>
-                          <a:solidFill>
-                            <a:srgbClr val="7F7F7F"/>
-                          </a:solidFill>
-                          <a:effectLst/>
-                          <a:uLnTx/>
-                          <a:uFillTx/>
-                          <a:latin typeface="+mn-lt"/>
-                          <a:ea typeface="Times New Roman" charset="0"/>
-                          <a:cs typeface="Times New Roman" charset="0"/>
-                        </a:rPr>
-                        <a:t>exercitation</a:t>
-                      </a:r>
-                      <a:r>
-                        <a:rPr kumimoji="0" lang="fr-FR" sz="1050" b="0" i="0" u="none" strike="noStrike" kern="1200" cap="none" spc="0" normalizeH="0" baseline="0" noProof="0" dirty="0">
-                          <a:ln>
-                            <a:noFill/>
-                          </a:ln>
-                          <a:solidFill>
-                            <a:srgbClr val="7F7F7F"/>
-                          </a:solidFill>
-                          <a:effectLst/>
-                          <a:uLnTx/>
-                          <a:uFillTx/>
-                          <a:latin typeface="+mn-lt"/>
-                          <a:ea typeface="Times New Roman" charset="0"/>
-                          <a:cs typeface="Times New Roman" charset="0"/>
-                        </a:rPr>
-                        <a:t> </a:t>
-                      </a:r>
-                      <a:r>
-                        <a:rPr kumimoji="0" lang="fr-FR" sz="1050" b="0" i="0" u="none" strike="noStrike" kern="1200" cap="none" spc="0" normalizeH="0" baseline="0" noProof="0" dirty="0" err="1">
-                          <a:ln>
-                            <a:noFill/>
-                          </a:ln>
-                          <a:solidFill>
-                            <a:srgbClr val="7F7F7F"/>
-                          </a:solidFill>
-                          <a:effectLst/>
-                          <a:uLnTx/>
-                          <a:uFillTx/>
-                          <a:latin typeface="+mn-lt"/>
-                          <a:ea typeface="Times New Roman" charset="0"/>
-                          <a:cs typeface="Times New Roman" charset="0"/>
-                        </a:rPr>
-                        <a:t>ullamco</a:t>
-                      </a:r>
-                      <a:r>
-                        <a:rPr kumimoji="0" lang="fr-FR" sz="1050" b="0" i="0" u="none" strike="noStrike" kern="1200" cap="none" spc="0" normalizeH="0" baseline="0" noProof="0" dirty="0">
-                          <a:ln>
-                            <a:noFill/>
-                          </a:ln>
-                          <a:solidFill>
-                            <a:srgbClr val="7F7F7F"/>
-                          </a:solidFill>
-                          <a:effectLst/>
-                          <a:uLnTx/>
-                          <a:uFillTx/>
-                          <a:latin typeface="+mn-lt"/>
-                          <a:ea typeface="Times New Roman" charset="0"/>
-                          <a:cs typeface="Times New Roman" charset="0"/>
-                        </a:rPr>
-                        <a:t> </a:t>
-                      </a:r>
-                      <a:r>
-                        <a:rPr kumimoji="0" lang="fr-FR" sz="1050" b="0" i="0" u="none" strike="noStrike" kern="1200" cap="none" spc="0" normalizeH="0" baseline="0" noProof="0" dirty="0" err="1">
-                          <a:ln>
-                            <a:noFill/>
-                          </a:ln>
-                          <a:solidFill>
-                            <a:srgbClr val="7F7F7F"/>
-                          </a:solidFill>
-                          <a:effectLst/>
-                          <a:uLnTx/>
-                          <a:uFillTx/>
-                          <a:latin typeface="+mn-lt"/>
-                          <a:ea typeface="Times New Roman" charset="0"/>
-                          <a:cs typeface="Times New Roman" charset="0"/>
-                        </a:rPr>
-                        <a:t>laboris</a:t>
-                      </a:r>
-                      <a:r>
-                        <a:rPr kumimoji="0" lang="fr-FR" sz="1050" b="0" i="0" u="none" strike="noStrike" kern="1200" cap="none" spc="0" normalizeH="0" baseline="0" noProof="0" dirty="0">
-                          <a:ln>
-                            <a:noFill/>
-                          </a:ln>
-                          <a:solidFill>
-                            <a:srgbClr val="7F7F7F"/>
-                          </a:solidFill>
-                          <a:effectLst/>
-                          <a:uLnTx/>
-                          <a:uFillTx/>
-                          <a:latin typeface="+mn-lt"/>
-                          <a:ea typeface="Times New Roman" charset="0"/>
-                          <a:cs typeface="Times New Roman" charset="0"/>
-                        </a:rPr>
-                        <a:t> </a:t>
-                      </a:r>
-                      <a:r>
-                        <a:rPr kumimoji="0" lang="fr-FR" sz="1050" b="0" i="0" u="none" strike="noStrike" kern="1200" cap="none" spc="0" normalizeH="0" baseline="0" noProof="0" dirty="0" err="1">
-                          <a:ln>
-                            <a:noFill/>
-                          </a:ln>
-                          <a:solidFill>
-                            <a:srgbClr val="7F7F7F"/>
-                          </a:solidFill>
-                          <a:effectLst/>
-                          <a:uLnTx/>
-                          <a:uFillTx/>
-                          <a:latin typeface="+mn-lt"/>
-                          <a:ea typeface="Times New Roman" charset="0"/>
-                          <a:cs typeface="Times New Roman" charset="0"/>
-                        </a:rPr>
-                        <a:t>nisi</a:t>
-                      </a:r>
-                      <a:r>
-                        <a:rPr kumimoji="0" lang="fr-FR" sz="1050" b="0" i="0" u="none" strike="noStrike" kern="1200" cap="none" spc="0" normalizeH="0" baseline="0" noProof="0" dirty="0">
-                          <a:ln>
-                            <a:noFill/>
-                          </a:ln>
-                          <a:solidFill>
-                            <a:srgbClr val="7F7F7F"/>
-                          </a:solidFill>
-                          <a:effectLst/>
-                          <a:uLnTx/>
-                          <a:uFillTx/>
-                          <a:latin typeface="+mn-lt"/>
-                          <a:ea typeface="Times New Roman" charset="0"/>
-                          <a:cs typeface="Times New Roman" charset="0"/>
-                        </a:rPr>
-                        <a:t> ut </a:t>
-                      </a:r>
-                      <a:r>
-                        <a:rPr kumimoji="0" lang="fr-FR" sz="1050" b="0" i="0" u="none" strike="noStrike" kern="1200" cap="none" spc="0" normalizeH="0" baseline="0" noProof="0" dirty="0" err="1">
-                          <a:ln>
-                            <a:noFill/>
-                          </a:ln>
-                          <a:solidFill>
-                            <a:srgbClr val="7F7F7F"/>
-                          </a:solidFill>
-                          <a:effectLst/>
-                          <a:uLnTx/>
-                          <a:uFillTx/>
-                          <a:latin typeface="+mn-lt"/>
-                          <a:ea typeface="Times New Roman" charset="0"/>
-                          <a:cs typeface="Times New Roman" charset="0"/>
-                        </a:rPr>
-                        <a:t>aliquip</a:t>
-                      </a:r>
-                      <a:r>
-                        <a:rPr kumimoji="0" lang="fr-FR" sz="1050" b="0" i="0" u="none" strike="noStrike" kern="1200" cap="none" spc="0" normalizeH="0" baseline="0" noProof="0" dirty="0">
-                          <a:ln>
-                            <a:noFill/>
-                          </a:ln>
-                          <a:solidFill>
-                            <a:srgbClr val="7F7F7F"/>
-                          </a:solidFill>
-                          <a:effectLst/>
-                          <a:uLnTx/>
-                          <a:uFillTx/>
-                          <a:latin typeface="+mn-lt"/>
-                          <a:ea typeface="Times New Roman" charset="0"/>
-                          <a:cs typeface="Times New Roman" charset="0"/>
-                        </a:rPr>
-                        <a:t> ex </a:t>
-                      </a:r>
-                      <a:r>
-                        <a:rPr kumimoji="0" lang="fr-FR" sz="1050" b="0" i="0" u="none" strike="noStrike" kern="1200" cap="none" spc="0" normalizeH="0" baseline="0" noProof="0" dirty="0" err="1">
-                          <a:ln>
-                            <a:noFill/>
-                          </a:ln>
-                          <a:solidFill>
-                            <a:srgbClr val="7F7F7F"/>
-                          </a:solidFill>
-                          <a:effectLst/>
-                          <a:uLnTx/>
-                          <a:uFillTx/>
-                          <a:latin typeface="+mn-lt"/>
-                          <a:ea typeface="Times New Roman" charset="0"/>
-                          <a:cs typeface="Times New Roman" charset="0"/>
-                        </a:rPr>
-                        <a:t>ea</a:t>
-                      </a:r>
-                      <a:r>
-                        <a:rPr kumimoji="0" lang="fr-FR" sz="1050" b="0" i="0" u="none" strike="noStrike" kern="1200" cap="none" spc="0" normalizeH="0" baseline="0" noProof="0" dirty="0">
-                          <a:ln>
-                            <a:noFill/>
-                          </a:ln>
-                          <a:solidFill>
-                            <a:srgbClr val="7F7F7F"/>
-                          </a:solidFill>
-                          <a:effectLst/>
-                          <a:uLnTx/>
-                          <a:uFillTx/>
-                          <a:latin typeface="+mn-lt"/>
-                          <a:ea typeface="Times New Roman" charset="0"/>
-                          <a:cs typeface="Times New Roman" charset="0"/>
-                        </a:rPr>
-                        <a:t> </a:t>
-                      </a:r>
-                      <a:r>
-                        <a:rPr kumimoji="0" lang="fr-FR" sz="1050" b="0" i="0" u="none" strike="noStrike" kern="1200" cap="none" spc="0" normalizeH="0" baseline="0" noProof="0" dirty="0" err="1">
-                          <a:ln>
-                            <a:noFill/>
-                          </a:ln>
-                          <a:solidFill>
-                            <a:srgbClr val="7F7F7F"/>
-                          </a:solidFill>
-                          <a:effectLst/>
-                          <a:uLnTx/>
-                          <a:uFillTx/>
-                          <a:latin typeface="+mn-lt"/>
-                          <a:ea typeface="Times New Roman" charset="0"/>
-                          <a:cs typeface="Times New Roman" charset="0"/>
-                        </a:rPr>
-                        <a:t>commodo</a:t>
-                      </a:r>
-                      <a:r>
-                        <a:rPr kumimoji="0" lang="fr-FR" sz="1050" b="0" i="0" u="none" strike="noStrike" kern="1200" cap="none" spc="0" normalizeH="0" baseline="0" noProof="0" dirty="0">
-                          <a:ln>
-                            <a:noFill/>
-                          </a:ln>
-                          <a:solidFill>
-                            <a:srgbClr val="7F7F7F"/>
-                          </a:solidFill>
-                          <a:effectLst/>
-                          <a:uLnTx/>
-                          <a:uFillTx/>
-                          <a:latin typeface="+mn-lt"/>
-                          <a:ea typeface="Times New Roman" charset="0"/>
-                          <a:cs typeface="Times New Roman" charset="0"/>
-                        </a:rPr>
-                        <a:t> </a:t>
-                      </a:r>
-                      <a:r>
-                        <a:rPr kumimoji="0" lang="fr-FR" sz="1050" b="0" i="0" u="none" strike="noStrike" kern="1200" cap="none" spc="0" normalizeH="0" baseline="0" noProof="0" dirty="0" err="1">
-                          <a:ln>
-                            <a:noFill/>
-                          </a:ln>
-                          <a:solidFill>
-                            <a:srgbClr val="7F7F7F"/>
-                          </a:solidFill>
-                          <a:effectLst/>
-                          <a:uLnTx/>
-                          <a:uFillTx/>
-                          <a:latin typeface="+mn-lt"/>
-                          <a:ea typeface="Times New Roman" charset="0"/>
-                          <a:cs typeface="Times New Roman" charset="0"/>
-                        </a:rPr>
-                        <a:t>consequat</a:t>
-                      </a:r>
-                      <a:r>
-                        <a:rPr kumimoji="0" lang="fr-FR" sz="1050" b="0" i="0" u="none" strike="noStrike" kern="1200" cap="none" spc="0" normalizeH="0" baseline="0" noProof="0" dirty="0">
-                          <a:ln>
-                            <a:noFill/>
-                          </a:ln>
-                          <a:solidFill>
-                            <a:srgbClr val="7F7F7F"/>
-                          </a:solidFill>
-                          <a:effectLst/>
-                          <a:uLnTx/>
-                          <a:uFillTx/>
-                          <a:latin typeface="+mn-lt"/>
-                          <a:ea typeface="Times New Roman" charset="0"/>
-                          <a:cs typeface="Times New Roman" charset="0"/>
-                        </a:rPr>
-                        <a:t>.</a:t>
-                      </a:r>
-                    </a:p>
-                  </a:txBody>
-                  <a:tcPr marL="86222" marR="86222" marT="43111" marB="43111">
-                    <a:lnL w="3175" cap="flat" cmpd="sng" algn="ctr">
-                      <a:noFill/>
-                      <a:prstDash val="solid"/>
-                      <a:round/>
-                      <a:headEnd type="none" w="med" len="med"/>
-                      <a:tailEnd type="none" w="med" len="med"/>
-                    </a:lnL>
-                    <a:lnR w="12700" cmpd="sng">
-                      <a:noFill/>
-                    </a:lnR>
-                    <a:lnT w="12700" cmpd="sng">
-                      <a:noFill/>
-                    </a:lnT>
-                    <a:lnB w="9525" cap="flat" cmpd="sng" algn="ctr">
-                      <a:noFill/>
-                      <a:prstDash val="solid"/>
-                      <a:round/>
-                      <a:headEnd type="none" w="med" len="med"/>
-                      <a:tailEnd type="none" w="med" len="med"/>
-                    </a:lnB>
-                    <a:lnTlToBr w="12700" cmpd="sng">
-                      <a:noFill/>
-                      <a:prstDash val="solid"/>
-                    </a:lnTlToBr>
-                    <a:lnBlToTr w="12700" cmpd="sng">
-                      <a:noFill/>
-                      <a:prstDash val="solid"/>
-                    </a:lnBlToTr>
-                  </a:tcPr>
-                </a:tc>
-                <a:extLst>
-                  <a:ext uri="{0D108BD9-81ED-4DB2-BD59-A6C34878D82A}">
-                    <a16:rowId xmlns="" xmlns:a16="http://schemas.microsoft.com/office/drawing/2014/main" val="1817200699"/>
-                  </a:ext>
-                </a:extLst>
-              </a:tr>
-            </a:tbl>
-          </a:graphicData>
-        </a:graphic>
-      </p:graphicFrame>
       <p:sp>
         <p:nvSpPr>
           <p:cNvPr id="96" name="Rectangle 95">
             <a:extLst>
               <a:ext uri="{FF2B5EF4-FFF2-40B4-BE49-F238E27FC236}">
-                <a16:creationId xmlns="" xmlns:a16="http://schemas.microsoft.com/office/drawing/2014/main" id="{E1221206-CCC6-4383-8486-A58FF4222269}"/>
+                <a16:creationId xmlns:a16="http://schemas.microsoft.com/office/drawing/2014/main" xmlns="" id="{E1221206-CCC6-4383-8486-A58FF4222269}"/>
               </a:ext>
             </a:extLst>
           </p:cNvPr>
@@ -9258,47 +7347,12 @@
           </a:p>
         </p:txBody>
       </p:sp>
-      <p:pic>
-        <p:nvPicPr>
-          <p:cNvPr id="17" name="Image 16">
-            <a:extLst>
-              <a:ext uri="{FF2B5EF4-FFF2-40B4-BE49-F238E27FC236}">
-                <a16:creationId xmlns="" xmlns:a16="http://schemas.microsoft.com/office/drawing/2014/main" id="{88BD7FBD-3CE2-429B-A575-AEDBFB3EBC42}"/>
-              </a:ext>
-            </a:extLst>
-          </p:cNvPr>
-          <p:cNvPicPr>
-            <a:picLocks noChangeAspect="1"/>
-          </p:cNvPicPr>
-          <p:nvPr/>
-        </p:nvPicPr>
-        <p:blipFill>
-          <a:blip r:embed="rId8"/>
-          <a:stretch>
-            <a:fillRect/>
-          </a:stretch>
-        </p:blipFill>
-        <p:spPr>
-          <a:xfrm>
-            <a:off x="5851025" y="89630"/>
-            <a:ext cx="1404353" cy="1440362"/>
-          </a:xfrm>
-          <a:prstGeom prst="ellipse">
-            <a:avLst/>
-          </a:prstGeom>
-          <a:ln w="38100">
-            <a:solidFill>
-              <a:schemeClr val="tx2"/>
-            </a:solidFill>
-          </a:ln>
-        </p:spPr>
-      </p:pic>
       <p:sp>
         <p:nvSpPr>
           <p:cNvPr id="21" name="Rectangle 20">
             <a:extLst>
               <a:ext uri="{FF2B5EF4-FFF2-40B4-BE49-F238E27FC236}">
-                <a16:creationId xmlns="" xmlns:a16="http://schemas.microsoft.com/office/drawing/2014/main" id="{CD797071-9628-4551-828D-B09781ED20F3}"/>
+                <a16:creationId xmlns:a16="http://schemas.microsoft.com/office/drawing/2014/main" xmlns="" id="{CD797071-9628-4551-828D-B09781ED20F3}"/>
               </a:ext>
             </a:extLst>
           </p:cNvPr>
@@ -9346,7 +7400,7 @@
           <p:cNvPr id="106" name="Rectangle 105">
             <a:extLst>
               <a:ext uri="{FF2B5EF4-FFF2-40B4-BE49-F238E27FC236}">
-                <a16:creationId xmlns="" xmlns:a16="http://schemas.microsoft.com/office/drawing/2014/main" id="{A7789D56-7B1C-4D89-9AE8-59A206FB9A5B}"/>
+                <a16:creationId xmlns:a16="http://schemas.microsoft.com/office/drawing/2014/main" xmlns="" id="{A7789D56-7B1C-4D89-9AE8-59A206FB9A5B}"/>
               </a:ext>
             </a:extLst>
           </p:cNvPr>
@@ -9396,7 +7450,7 @@
           <p:cNvPr id="107" name="Rectangle 106">
             <a:extLst>
               <a:ext uri="{FF2B5EF4-FFF2-40B4-BE49-F238E27FC236}">
-                <a16:creationId xmlns="" xmlns:a16="http://schemas.microsoft.com/office/drawing/2014/main" id="{670C5BA8-32A0-4148-8DD2-AD4973D66A93}"/>
+                <a16:creationId xmlns:a16="http://schemas.microsoft.com/office/drawing/2014/main" xmlns="" id="{670C5BA8-32A0-4148-8DD2-AD4973D66A93}"/>
               </a:ext>
             </a:extLst>
           </p:cNvPr>
@@ -9446,7 +7500,7 @@
           <p:cNvPr id="109" name="Tableau 108">
             <a:extLst>
               <a:ext uri="{FF2B5EF4-FFF2-40B4-BE49-F238E27FC236}">
-                <a16:creationId xmlns="" xmlns:a16="http://schemas.microsoft.com/office/drawing/2014/main" id="{57126903-8A09-284B-9042-9DDCB0B3DDDE}"/>
+                <a16:creationId xmlns:a16="http://schemas.microsoft.com/office/drawing/2014/main" xmlns="" id="{57126903-8A09-284B-9042-9DDCB0B3DDDE}"/>
               </a:ext>
             </a:extLst>
           </p:cNvPr>
@@ -9456,7 +7510,7 @@
           <p:nvPr>
             <p:extLst>
               <p:ext uri="{D42A27DB-BD31-4B8C-83A1-F6EECF244321}">
-                <p14:modId xmlns="" xmlns:p14="http://schemas.microsoft.com/office/powerpoint/2010/main" val="4011690364"/>
+                <p14:modId xmlns:p14="http://schemas.microsoft.com/office/powerpoint/2010/main" xmlns="" val="4011690364"/>
               </p:ext>
             </p:extLst>
           </p:nvPr>
@@ -9475,14 +7529,14 @@
                 <a:gridCol w="825708">
                   <a:extLst>
                     <a:ext uri="{9D8B030D-6E8A-4147-A177-3AD203B41FA5}">
-                      <a16:colId xmlns="" xmlns:a16="http://schemas.microsoft.com/office/drawing/2014/main" val="2039745578"/>
+                      <a16:colId xmlns:a16="http://schemas.microsoft.com/office/drawing/2014/main" xmlns="" val="2039745578"/>
                     </a:ext>
                   </a:extLst>
                 </a:gridCol>
                 <a:gridCol w="3724307">
                   <a:extLst>
                     <a:ext uri="{9D8B030D-6E8A-4147-A177-3AD203B41FA5}">
-                      <a16:colId xmlns="" xmlns:a16="http://schemas.microsoft.com/office/drawing/2014/main" val="2494848202"/>
+                      <a16:colId xmlns:a16="http://schemas.microsoft.com/office/drawing/2014/main" xmlns="" val="2494848202"/>
                     </a:ext>
                   </a:extLst>
                 </a:gridCol>
@@ -9740,7 +7794,7 @@
                 </a:tc>
                 <a:extLst>
                   <a:ext uri="{0D108BD9-81ED-4DB2-BD59-A6C34878D82A}">
-                    <a16:rowId xmlns="" xmlns:a16="http://schemas.microsoft.com/office/drawing/2014/main" val="1174954696"/>
+                    <a16:rowId xmlns:a16="http://schemas.microsoft.com/office/drawing/2014/main" xmlns="" val="1174954696"/>
                   </a:ext>
                 </a:extLst>
               </a:tr>
@@ -9835,7 +7889,7 @@
           <p:cNvPr id="116" name="Tableau 115">
             <a:extLst>
               <a:ext uri="{FF2B5EF4-FFF2-40B4-BE49-F238E27FC236}">
-                <a16:creationId xmlns="" xmlns:a16="http://schemas.microsoft.com/office/drawing/2014/main" id="{86782D8C-A66D-F045-80E3-C0E199EB0E4F}"/>
+                <a16:creationId xmlns:a16="http://schemas.microsoft.com/office/drawing/2014/main" xmlns="" id="{86782D8C-A66D-F045-80E3-C0E199EB0E4F}"/>
               </a:ext>
             </a:extLst>
           </p:cNvPr>
@@ -9845,7 +7899,7 @@
           <p:nvPr>
             <p:extLst>
               <p:ext uri="{D42A27DB-BD31-4B8C-83A1-F6EECF244321}">
-                <p14:modId xmlns="" xmlns:p14="http://schemas.microsoft.com/office/powerpoint/2010/main" val="183136107"/>
+                <p14:modId xmlns:p14="http://schemas.microsoft.com/office/powerpoint/2010/main" xmlns="" val="183136107"/>
               </p:ext>
             </p:extLst>
           </p:nvPr>
@@ -9864,14 +7918,14 @@
                 <a:gridCol w="829788">
                   <a:extLst>
                     <a:ext uri="{9D8B030D-6E8A-4147-A177-3AD203B41FA5}">
-                      <a16:colId xmlns="" xmlns:a16="http://schemas.microsoft.com/office/drawing/2014/main" val="2039745578"/>
+                      <a16:colId xmlns:a16="http://schemas.microsoft.com/office/drawing/2014/main" xmlns="" val="2039745578"/>
                     </a:ext>
                   </a:extLst>
                 </a:gridCol>
                 <a:gridCol w="3742712">
                   <a:extLst>
                     <a:ext uri="{9D8B030D-6E8A-4147-A177-3AD203B41FA5}">
-                      <a16:colId xmlns="" xmlns:a16="http://schemas.microsoft.com/office/drawing/2014/main" val="2494848202"/>
+                      <a16:colId xmlns:a16="http://schemas.microsoft.com/office/drawing/2014/main" xmlns="" val="2494848202"/>
                     </a:ext>
                   </a:extLst>
                 </a:gridCol>
@@ -10057,7 +8111,7 @@
                 </a:tc>
                 <a:extLst>
                   <a:ext uri="{0D108BD9-81ED-4DB2-BD59-A6C34878D82A}">
-                    <a16:rowId xmlns="" xmlns:a16="http://schemas.microsoft.com/office/drawing/2014/main" val="1174954696"/>
+                    <a16:rowId xmlns:a16="http://schemas.microsoft.com/office/drawing/2014/main" xmlns="" val="1174954696"/>
                   </a:ext>
                 </a:extLst>
               </a:tr>
@@ -10123,7 +8177,7 @@
           <p:cNvPr id="94" name="Rectangle 93">
             <a:extLst>
               <a:ext uri="{FF2B5EF4-FFF2-40B4-BE49-F238E27FC236}">
-                <a16:creationId xmlns="" xmlns:a16="http://schemas.microsoft.com/office/drawing/2014/main" id="{80FB2A79-73A6-4C77-875E-410462395522}"/>
+                <a16:creationId xmlns:a16="http://schemas.microsoft.com/office/drawing/2014/main" xmlns="" id="{80FB2A79-73A6-4C77-875E-410462395522}"/>
               </a:ext>
             </a:extLst>
           </p:cNvPr>
@@ -10230,7 +8284,7 @@
           <p:cNvPr id="105" name="Rectangle 104">
             <a:extLst>
               <a:ext uri="{FF2B5EF4-FFF2-40B4-BE49-F238E27FC236}">
-                <a16:creationId xmlns="" xmlns:a16="http://schemas.microsoft.com/office/drawing/2014/main" id="{2492A3CA-FD09-4C8C-9B12-10FB11A428E7}"/>
+                <a16:creationId xmlns:a16="http://schemas.microsoft.com/office/drawing/2014/main" xmlns="" id="{2492A3CA-FD09-4C8C-9B12-10FB11A428E7}"/>
               </a:ext>
             </a:extLst>
           </p:cNvPr>
@@ -10450,7 +8504,7 @@
     </p:spTree>
     <p:extLst>
       <p:ext uri="{BB962C8B-B14F-4D97-AF65-F5344CB8AC3E}">
-        <p14:creationId xmlns="" xmlns:p14="http://schemas.microsoft.com/office/powerpoint/2010/main" val="756935666"/>
+        <p14:creationId xmlns:p14="http://schemas.microsoft.com/office/powerpoint/2010/main" xmlns="" val="756935666"/>
       </p:ext>
     </p:extLst>
   </p:cSld>
@@ -11035,7 +9089,7 @@
   <a:extraClrSchemeLst/>
   <a:extLst>
     <a:ext uri="{05A4C25C-085E-4340-85A3-A5531E510DB2}">
-      <thm15:themeFamily xmlns="" xmlns:thm15="http://schemas.microsoft.com/office/thememl/2012/main" name="Office Theme" id="{62F939B6-93AF-4DB8-9C6B-D6C7DFDC589F}" vid="{4A3C46E8-61CC-4603-A589-7422A47A8E4A}"/>
+      <thm15:themeFamily xmlns:thm15="http://schemas.microsoft.com/office/thememl/2012/main" xmlns="" name="Office Theme" id="{62F939B6-93AF-4DB8-9C6B-D6C7DFDC589F}" vid="{4A3C46E8-61CC-4603-A589-7422A47A8E4A}"/>
     </a:ext>
   </a:extLst>
 </a:theme>
